--- a/thesis/ukapp2/wqu_isc/shilling_dsp.pptx
+++ b/thesis/ukapp2/wqu_isc/shilling_dsp.pptx
@@ -7,6 +7,7 @@
   <p:sldIdLst>
     <p:sldId id="256" r:id="rId2"/>
     <p:sldId id="257" r:id="rId3"/>
+    <p:sldId id="258" r:id="rId4"/>
   </p:sldIdLst>
   <p:sldSz cx="12192000" cy="6858000"/>
   <p:notesSz cx="6858000" cy="9144000"/>
@@ -262,7 +263,7 @@
           <a:p>
             <a:fld id="{C89E151B-12C8-4F18-8CB8-A56364489C54}" type="datetimeFigureOut">
               <a:rPr lang="en-GB" smtClean="0"/>
-              <a:t>14/01/2021</a:t>
+              <a:t>15/01/2021</a:t>
             </a:fld>
             <a:endParaRPr lang="en-GB"/>
           </a:p>
@@ -462,7 +463,7 @@
           <a:p>
             <a:fld id="{C89E151B-12C8-4F18-8CB8-A56364489C54}" type="datetimeFigureOut">
               <a:rPr lang="en-GB" smtClean="0"/>
-              <a:t>14/01/2021</a:t>
+              <a:t>15/01/2021</a:t>
             </a:fld>
             <a:endParaRPr lang="en-GB"/>
           </a:p>
@@ -672,7 +673,7 @@
           <a:p>
             <a:fld id="{C89E151B-12C8-4F18-8CB8-A56364489C54}" type="datetimeFigureOut">
               <a:rPr lang="en-GB" smtClean="0"/>
-              <a:t>14/01/2021</a:t>
+              <a:t>15/01/2021</a:t>
             </a:fld>
             <a:endParaRPr lang="en-GB"/>
           </a:p>
@@ -872,7 +873,7 @@
           <a:p>
             <a:fld id="{C89E151B-12C8-4F18-8CB8-A56364489C54}" type="datetimeFigureOut">
               <a:rPr lang="en-GB" smtClean="0"/>
-              <a:t>14/01/2021</a:t>
+              <a:t>15/01/2021</a:t>
             </a:fld>
             <a:endParaRPr lang="en-GB"/>
           </a:p>
@@ -1148,7 +1149,7 @@
           <a:p>
             <a:fld id="{C89E151B-12C8-4F18-8CB8-A56364489C54}" type="datetimeFigureOut">
               <a:rPr lang="en-GB" smtClean="0"/>
-              <a:t>14/01/2021</a:t>
+              <a:t>15/01/2021</a:t>
             </a:fld>
             <a:endParaRPr lang="en-GB"/>
           </a:p>
@@ -1416,7 +1417,7 @@
           <a:p>
             <a:fld id="{C89E151B-12C8-4F18-8CB8-A56364489C54}" type="datetimeFigureOut">
               <a:rPr lang="en-GB" smtClean="0"/>
-              <a:t>14/01/2021</a:t>
+              <a:t>15/01/2021</a:t>
             </a:fld>
             <a:endParaRPr lang="en-GB"/>
           </a:p>
@@ -1831,7 +1832,7 @@
           <a:p>
             <a:fld id="{C89E151B-12C8-4F18-8CB8-A56364489C54}" type="datetimeFigureOut">
               <a:rPr lang="en-GB" smtClean="0"/>
-              <a:t>14/01/2021</a:t>
+              <a:t>15/01/2021</a:t>
             </a:fld>
             <a:endParaRPr lang="en-GB"/>
           </a:p>
@@ -1973,7 +1974,7 @@
           <a:p>
             <a:fld id="{C89E151B-12C8-4F18-8CB8-A56364489C54}" type="datetimeFigureOut">
               <a:rPr lang="en-GB" smtClean="0"/>
-              <a:t>14/01/2021</a:t>
+              <a:t>15/01/2021</a:t>
             </a:fld>
             <a:endParaRPr lang="en-GB"/>
           </a:p>
@@ -2086,7 +2087,7 @@
           <a:p>
             <a:fld id="{C89E151B-12C8-4F18-8CB8-A56364489C54}" type="datetimeFigureOut">
               <a:rPr lang="en-GB" smtClean="0"/>
-              <a:t>14/01/2021</a:t>
+              <a:t>15/01/2021</a:t>
             </a:fld>
             <a:endParaRPr lang="en-GB"/>
           </a:p>
@@ -2399,7 +2400,7 @@
           <a:p>
             <a:fld id="{C89E151B-12C8-4F18-8CB8-A56364489C54}" type="datetimeFigureOut">
               <a:rPr lang="en-GB" smtClean="0"/>
-              <a:t>14/01/2021</a:t>
+              <a:t>15/01/2021</a:t>
             </a:fld>
             <a:endParaRPr lang="en-GB"/>
           </a:p>
@@ -2688,7 +2689,7 @@
           <a:p>
             <a:fld id="{C89E151B-12C8-4F18-8CB8-A56364489C54}" type="datetimeFigureOut">
               <a:rPr lang="en-GB" smtClean="0"/>
-              <a:t>14/01/2021</a:t>
+              <a:t>15/01/2021</a:t>
             </a:fld>
             <a:endParaRPr lang="en-GB"/>
           </a:p>
@@ -2931,7 +2932,7 @@
           <a:p>
             <a:fld id="{C89E151B-12C8-4F18-8CB8-A56364489C54}" type="datetimeFigureOut">
               <a:rPr lang="en-GB" smtClean="0"/>
-              <a:t>14/01/2021</a:t>
+              <a:t>15/01/2021</a:t>
             </a:fld>
             <a:endParaRPr lang="en-GB"/>
           </a:p>
@@ -4304,6 +4305,178 @@
 </p:sld>
 </file>
 
+<file path=ppt/slides/slide3.xml><?xml version="1.0" encoding="utf-8"?>
+<p:sld xmlns:a="http://schemas.openxmlformats.org/drawingml/2006/main" xmlns:r="http://schemas.openxmlformats.org/officeDocument/2006/relationships" xmlns:p="http://schemas.openxmlformats.org/presentationml/2006/main">
+  <p:cSld>
+    <p:spTree>
+      <p:nvGrpSpPr>
+        <p:cNvPr id="1" name=""/>
+        <p:cNvGrpSpPr/>
+        <p:nvPr/>
+      </p:nvGrpSpPr>
+      <p:grpSpPr>
+        <a:xfrm>
+          <a:off x="0" y="0"/>
+          <a:ext cx="0" cy="0"/>
+          <a:chOff x="0" y="0"/>
+          <a:chExt cx="0" cy="0"/>
+        </a:xfrm>
+      </p:grpSpPr>
+      <p:sp>
+        <p:nvSpPr>
+          <p:cNvPr id="2" name="Title 1">
+            <a:extLst>
+              <a:ext uri="{FF2B5EF4-FFF2-40B4-BE49-F238E27FC236}">
+                <a16:creationId xmlns:a16="http://schemas.microsoft.com/office/drawing/2014/main" id="{37E8CBF4-115C-4600-AA42-B9FF808D31B2}"/>
+              </a:ext>
+            </a:extLst>
+          </p:cNvPr>
+          <p:cNvSpPr>
+            <a:spLocks noGrp="1"/>
+          </p:cNvSpPr>
+          <p:nvPr>
+            <p:ph type="title"/>
+          </p:nvPr>
+        </p:nvSpPr>
+        <p:spPr/>
+        <p:txBody>
+          <a:bodyPr/>
+          <a:lstStyle/>
+          <a:p>
+            <a:r>
+              <a:rPr lang="en-GB" dirty="0"/>
+              <a:t>Positive and Negative Numbers</a:t>
+            </a:r>
+          </a:p>
+        </p:txBody>
+      </p:sp>
+      <mc:AlternateContent xmlns:mc="http://schemas.openxmlformats.org/markup-compatibility/2006">
+        <mc:Choice xmlns:a14="http://schemas.microsoft.com/office/drawing/2010/main" Requires="a14">
+          <p:sp>
+            <p:nvSpPr>
+              <p:cNvPr id="6" name="TextBox 5">
+                <a:extLst>
+                  <a:ext uri="{FF2B5EF4-FFF2-40B4-BE49-F238E27FC236}">
+                    <a16:creationId xmlns:a16="http://schemas.microsoft.com/office/drawing/2014/main" id="{1DD0C741-D294-4CFC-B6B4-617F94B29DF7}"/>
+                  </a:ext>
+                </a:extLst>
+              </p:cNvPr>
+              <p:cNvSpPr txBox="1"/>
+              <p:nvPr/>
+            </p:nvSpPr>
+            <p:spPr>
+              <a:xfrm>
+                <a:off x="1933303" y="2312126"/>
+                <a:ext cx="3148148" cy="786177"/>
+              </a:xfrm>
+              <a:prstGeom prst="rect">
+                <a:avLst/>
+              </a:prstGeom>
+              <a:noFill/>
+            </p:spPr>
+            <p:txBody>
+              <a:bodyPr wrap="square" rtlCol="0">
+                <a:spAutoFit/>
+              </a:bodyPr>
+              <a:lstStyle/>
+              <a:p>
+                <a14:m>
+                  <m:oMathPara xmlns:m="http://schemas.openxmlformats.org/officeDocument/2006/math">
+                    <m:oMathParaPr>
+                      <m:jc m:val="centerGroup"/>
+                    </m:oMathParaPr>
+                    <m:oMath xmlns:m="http://schemas.openxmlformats.org/officeDocument/2006/math">
+                      <m:f>
+                        <m:fPr>
+                          <m:ctrlPr>
+                            <a:rPr lang="en-GB" sz="2400" b="0" i="1" smtClean="0">
+                              <a:latin typeface="Cambria Math" panose="02040503050406030204" pitchFamily="18" charset="0"/>
+                            </a:rPr>
+                          </m:ctrlPr>
+                        </m:fPr>
+                        <m:num>
+                          <m:r>
+                            <a:rPr lang="en-GB" sz="2400" b="0" i="1" smtClean="0">
+                              <a:latin typeface="Cambria Math" panose="02040503050406030204" pitchFamily="18" charset="0"/>
+                            </a:rPr>
+                            <m:t>2</m:t>
+                          </m:r>
+                        </m:num>
+                        <m:den>
+                          <m:r>
+                            <a:rPr lang="en-GB" sz="2400" b="0" i="1" smtClean="0">
+                              <a:latin typeface="Cambria Math" panose="02040503050406030204" pitchFamily="18" charset="0"/>
+                            </a:rPr>
+                            <m:t>3</m:t>
+                          </m:r>
+                        </m:den>
+                      </m:f>
+                    </m:oMath>
+                  </m:oMathPara>
+                </a14:m>
+                <a:endParaRPr lang="en-GB" sz="2400" dirty="0"/>
+              </a:p>
+            </p:txBody>
+          </p:sp>
+        </mc:Choice>
+        <mc:Fallback>
+          <p:sp>
+            <p:nvSpPr>
+              <p:cNvPr id="6" name="TextBox 5">
+                <a:extLst>
+                  <a:ext uri="{FF2B5EF4-FFF2-40B4-BE49-F238E27FC236}">
+                    <a16:creationId xmlns:a16="http://schemas.microsoft.com/office/drawing/2014/main" id="{1DD0C741-D294-4CFC-B6B4-617F94B29DF7}"/>
+                  </a:ext>
+                </a:extLst>
+              </p:cNvPr>
+              <p:cNvSpPr txBox="1">
+                <a:spLocks noRot="1" noChangeAspect="1" noMove="1" noResize="1" noEditPoints="1" noAdjustHandles="1" noChangeArrowheads="1" noChangeShapeType="1" noTextEdit="1"/>
+              </p:cNvSpPr>
+              <p:nvPr/>
+            </p:nvSpPr>
+            <p:spPr>
+              <a:xfrm>
+                <a:off x="1933303" y="2312126"/>
+                <a:ext cx="3148148" cy="786177"/>
+              </a:xfrm>
+              <a:prstGeom prst="rect">
+                <a:avLst/>
+              </a:prstGeom>
+              <a:blipFill>
+                <a:blip r:embed="rId2"/>
+                <a:stretch>
+                  <a:fillRect/>
+                </a:stretch>
+              </a:blipFill>
+            </p:spPr>
+            <p:txBody>
+              <a:bodyPr/>
+              <a:lstStyle/>
+              <a:p>
+                <a:r>
+                  <a:rPr lang="en-GB">
+                    <a:noFill/>
+                  </a:rPr>
+                  <a:t> </a:t>
+                </a:r>
+              </a:p>
+            </p:txBody>
+          </p:sp>
+        </mc:Fallback>
+      </mc:AlternateContent>
+    </p:spTree>
+    <p:extLst>
+      <p:ext uri="{BB962C8B-B14F-4D97-AF65-F5344CB8AC3E}">
+        <p14:creationId xmlns:p14="http://schemas.microsoft.com/office/powerpoint/2010/main" val="254345566"/>
+      </p:ext>
+    </p:extLst>
+  </p:cSld>
+  <p:clrMapOvr>
+    <a:masterClrMapping/>
+  </p:clrMapOvr>
+</p:sld>
+</file>
+
 <file path=ppt/theme/theme1.xml><?xml version="1.0" encoding="utf-8"?>
 <a:theme xmlns:a="http://schemas.openxmlformats.org/drawingml/2006/main" name="Office Theme">
   <a:themeElements>

--- a/thesis/ukapp2/wqu_isc/shilling_dsp.pptx
+++ b/thesis/ukapp2/wqu_isc/shilling_dsp.pptx
@@ -263,7 +263,7 @@
           <a:p>
             <a:fld id="{C89E151B-12C8-4F18-8CB8-A56364489C54}" type="datetimeFigureOut">
               <a:rPr lang="en-GB" smtClean="0"/>
-              <a:t>15/01/2021</a:t>
+              <a:t>17/01/2021</a:t>
             </a:fld>
             <a:endParaRPr lang="en-GB"/>
           </a:p>
@@ -463,7 +463,7 @@
           <a:p>
             <a:fld id="{C89E151B-12C8-4F18-8CB8-A56364489C54}" type="datetimeFigureOut">
               <a:rPr lang="en-GB" smtClean="0"/>
-              <a:t>15/01/2021</a:t>
+              <a:t>17/01/2021</a:t>
             </a:fld>
             <a:endParaRPr lang="en-GB"/>
           </a:p>
@@ -673,7 +673,7 @@
           <a:p>
             <a:fld id="{C89E151B-12C8-4F18-8CB8-A56364489C54}" type="datetimeFigureOut">
               <a:rPr lang="en-GB" smtClean="0"/>
-              <a:t>15/01/2021</a:t>
+              <a:t>17/01/2021</a:t>
             </a:fld>
             <a:endParaRPr lang="en-GB"/>
           </a:p>
@@ -873,7 +873,7 @@
           <a:p>
             <a:fld id="{C89E151B-12C8-4F18-8CB8-A56364489C54}" type="datetimeFigureOut">
               <a:rPr lang="en-GB" smtClean="0"/>
-              <a:t>15/01/2021</a:t>
+              <a:t>17/01/2021</a:t>
             </a:fld>
             <a:endParaRPr lang="en-GB"/>
           </a:p>
@@ -1149,7 +1149,7 @@
           <a:p>
             <a:fld id="{C89E151B-12C8-4F18-8CB8-A56364489C54}" type="datetimeFigureOut">
               <a:rPr lang="en-GB" smtClean="0"/>
-              <a:t>15/01/2021</a:t>
+              <a:t>17/01/2021</a:t>
             </a:fld>
             <a:endParaRPr lang="en-GB"/>
           </a:p>
@@ -1417,7 +1417,7 @@
           <a:p>
             <a:fld id="{C89E151B-12C8-4F18-8CB8-A56364489C54}" type="datetimeFigureOut">
               <a:rPr lang="en-GB" smtClean="0"/>
-              <a:t>15/01/2021</a:t>
+              <a:t>17/01/2021</a:t>
             </a:fld>
             <a:endParaRPr lang="en-GB"/>
           </a:p>
@@ -1832,7 +1832,7 @@
           <a:p>
             <a:fld id="{C89E151B-12C8-4F18-8CB8-A56364489C54}" type="datetimeFigureOut">
               <a:rPr lang="en-GB" smtClean="0"/>
-              <a:t>15/01/2021</a:t>
+              <a:t>17/01/2021</a:t>
             </a:fld>
             <a:endParaRPr lang="en-GB"/>
           </a:p>
@@ -1974,7 +1974,7 @@
           <a:p>
             <a:fld id="{C89E151B-12C8-4F18-8CB8-A56364489C54}" type="datetimeFigureOut">
               <a:rPr lang="en-GB" smtClean="0"/>
-              <a:t>15/01/2021</a:t>
+              <a:t>17/01/2021</a:t>
             </a:fld>
             <a:endParaRPr lang="en-GB"/>
           </a:p>
@@ -2087,7 +2087,7 @@
           <a:p>
             <a:fld id="{C89E151B-12C8-4F18-8CB8-A56364489C54}" type="datetimeFigureOut">
               <a:rPr lang="en-GB" smtClean="0"/>
-              <a:t>15/01/2021</a:t>
+              <a:t>17/01/2021</a:t>
             </a:fld>
             <a:endParaRPr lang="en-GB"/>
           </a:p>
@@ -2400,7 +2400,7 @@
           <a:p>
             <a:fld id="{C89E151B-12C8-4F18-8CB8-A56364489C54}" type="datetimeFigureOut">
               <a:rPr lang="en-GB" smtClean="0"/>
-              <a:t>15/01/2021</a:t>
+              <a:t>17/01/2021</a:t>
             </a:fld>
             <a:endParaRPr lang="en-GB"/>
           </a:p>
@@ -2689,7 +2689,7 @@
           <a:p>
             <a:fld id="{C89E151B-12C8-4F18-8CB8-A56364489C54}" type="datetimeFigureOut">
               <a:rPr lang="en-GB" smtClean="0"/>
-              <a:t>15/01/2021</a:t>
+              <a:t>17/01/2021</a:t>
             </a:fld>
             <a:endParaRPr lang="en-GB"/>
           </a:p>
@@ -2932,7 +2932,7 @@
           <a:p>
             <a:fld id="{C89E151B-12C8-4F18-8CB8-A56364489C54}" type="datetimeFigureOut">
               <a:rPr lang="en-GB" smtClean="0"/>
-              <a:t>15/01/2021</a:t>
+              <a:t>17/01/2021</a:t>
             </a:fld>
             <a:endParaRPr lang="en-GB"/>
           </a:p>
@@ -4380,12 +4380,44 @@
               </a:bodyPr>
               <a:lstStyle/>
               <a:p>
+                <a:pPr/>
                 <a14:m>
                   <m:oMathPara xmlns:m="http://schemas.openxmlformats.org/officeDocument/2006/math">
                     <m:oMathParaPr>
                       <m:jc m:val="centerGroup"/>
                     </m:oMathParaPr>
                     <m:oMath xmlns:m="http://schemas.openxmlformats.org/officeDocument/2006/math">
+                      <m:f>
+                        <m:fPr>
+                          <m:ctrlPr>
+                            <a:rPr lang="en-GB" sz="2400" b="0" i="1" smtClean="0">
+                              <a:latin typeface="Cambria Math" panose="02040503050406030204" pitchFamily="18" charset="0"/>
+                            </a:rPr>
+                          </m:ctrlPr>
+                        </m:fPr>
+                        <m:num>
+                          <m:r>
+                            <a:rPr lang="en-GB" sz="2400" b="0" i="1" smtClean="0">
+                              <a:latin typeface="Cambria Math" panose="02040503050406030204" pitchFamily="18" charset="0"/>
+                            </a:rPr>
+                            <m:t>3</m:t>
+                          </m:r>
+                        </m:num>
+                        <m:den>
+                          <m:r>
+                            <a:rPr lang="en-GB" sz="2400" b="0" i="1" smtClean="0">
+                              <a:latin typeface="Cambria Math" panose="02040503050406030204" pitchFamily="18" charset="0"/>
+                            </a:rPr>
+                            <m:t>4</m:t>
+                          </m:r>
+                        </m:den>
+                      </m:f>
+                      <m:r>
+                        <a:rPr lang="en-GB" sz="2400" b="0" i="1" smtClean="0">
+                          <a:latin typeface="Cambria Math" panose="02040503050406030204" pitchFamily="18" charset="0"/>
+                        </a:rPr>
+                        <m:t>÷</m:t>
+                      </m:r>
                       <m:f>
                         <m:fPr>
                           <m:ctrlPr>

--- a/thesis/ukapp2/wqu_isc/shilling_dsp.pptx
+++ b/thesis/ukapp2/wqu_isc/shilling_dsp.pptx
@@ -263,7 +263,7 @@
           <a:p>
             <a:fld id="{C89E151B-12C8-4F18-8CB8-A56364489C54}" type="datetimeFigureOut">
               <a:rPr lang="en-GB" smtClean="0"/>
-              <a:t>17/01/2021</a:t>
+              <a:t>19/01/2021</a:t>
             </a:fld>
             <a:endParaRPr lang="en-GB"/>
           </a:p>
@@ -463,7 +463,7 @@
           <a:p>
             <a:fld id="{C89E151B-12C8-4F18-8CB8-A56364489C54}" type="datetimeFigureOut">
               <a:rPr lang="en-GB" smtClean="0"/>
-              <a:t>17/01/2021</a:t>
+              <a:t>19/01/2021</a:t>
             </a:fld>
             <a:endParaRPr lang="en-GB"/>
           </a:p>
@@ -673,7 +673,7 @@
           <a:p>
             <a:fld id="{C89E151B-12C8-4F18-8CB8-A56364489C54}" type="datetimeFigureOut">
               <a:rPr lang="en-GB" smtClean="0"/>
-              <a:t>17/01/2021</a:t>
+              <a:t>19/01/2021</a:t>
             </a:fld>
             <a:endParaRPr lang="en-GB"/>
           </a:p>
@@ -873,7 +873,7 @@
           <a:p>
             <a:fld id="{C89E151B-12C8-4F18-8CB8-A56364489C54}" type="datetimeFigureOut">
               <a:rPr lang="en-GB" smtClean="0"/>
-              <a:t>17/01/2021</a:t>
+              <a:t>19/01/2021</a:t>
             </a:fld>
             <a:endParaRPr lang="en-GB"/>
           </a:p>
@@ -1149,7 +1149,7 @@
           <a:p>
             <a:fld id="{C89E151B-12C8-4F18-8CB8-A56364489C54}" type="datetimeFigureOut">
               <a:rPr lang="en-GB" smtClean="0"/>
-              <a:t>17/01/2021</a:t>
+              <a:t>19/01/2021</a:t>
             </a:fld>
             <a:endParaRPr lang="en-GB"/>
           </a:p>
@@ -1417,7 +1417,7 @@
           <a:p>
             <a:fld id="{C89E151B-12C8-4F18-8CB8-A56364489C54}" type="datetimeFigureOut">
               <a:rPr lang="en-GB" smtClean="0"/>
-              <a:t>17/01/2021</a:t>
+              <a:t>19/01/2021</a:t>
             </a:fld>
             <a:endParaRPr lang="en-GB"/>
           </a:p>
@@ -1832,7 +1832,7 @@
           <a:p>
             <a:fld id="{C89E151B-12C8-4F18-8CB8-A56364489C54}" type="datetimeFigureOut">
               <a:rPr lang="en-GB" smtClean="0"/>
-              <a:t>17/01/2021</a:t>
+              <a:t>19/01/2021</a:t>
             </a:fld>
             <a:endParaRPr lang="en-GB"/>
           </a:p>
@@ -1974,7 +1974,7 @@
           <a:p>
             <a:fld id="{C89E151B-12C8-4F18-8CB8-A56364489C54}" type="datetimeFigureOut">
               <a:rPr lang="en-GB" smtClean="0"/>
-              <a:t>17/01/2021</a:t>
+              <a:t>19/01/2021</a:t>
             </a:fld>
             <a:endParaRPr lang="en-GB"/>
           </a:p>
@@ -2087,7 +2087,7 @@
           <a:p>
             <a:fld id="{C89E151B-12C8-4F18-8CB8-A56364489C54}" type="datetimeFigureOut">
               <a:rPr lang="en-GB" smtClean="0"/>
-              <a:t>17/01/2021</a:t>
+              <a:t>19/01/2021</a:t>
             </a:fld>
             <a:endParaRPr lang="en-GB"/>
           </a:p>
@@ -2400,7 +2400,7 @@
           <a:p>
             <a:fld id="{C89E151B-12C8-4F18-8CB8-A56364489C54}" type="datetimeFigureOut">
               <a:rPr lang="en-GB" smtClean="0"/>
-              <a:t>17/01/2021</a:t>
+              <a:t>19/01/2021</a:t>
             </a:fld>
             <a:endParaRPr lang="en-GB"/>
           </a:p>
@@ -2689,7 +2689,7 @@
           <a:p>
             <a:fld id="{C89E151B-12C8-4F18-8CB8-A56364489C54}" type="datetimeFigureOut">
               <a:rPr lang="en-GB" smtClean="0"/>
-              <a:t>17/01/2021</a:t>
+              <a:t>19/01/2021</a:t>
             </a:fld>
             <a:endParaRPr lang="en-GB"/>
           </a:p>
@@ -2932,7 +2932,7 @@
           <a:p>
             <a:fld id="{C89E151B-12C8-4F18-8CB8-A56364489C54}" type="datetimeFigureOut">
               <a:rPr lang="en-GB" smtClean="0"/>
-              <a:t>17/01/2021</a:t>
+              <a:t>19/01/2021</a:t>
             </a:fld>
             <a:endParaRPr lang="en-GB"/>
           </a:p>
@@ -4366,8 +4366,8 @@
             </p:nvSpPr>
             <p:spPr>
               <a:xfrm>
-                <a:off x="1933303" y="2312126"/>
-                <a:ext cx="3148148" cy="786177"/>
+                <a:off x="1867989" y="1392273"/>
+                <a:ext cx="3148148" cy="596830"/>
               </a:xfrm>
               <a:prstGeom prst="rect">
                 <a:avLst/>
@@ -4381,72 +4381,68 @@
               <a:lstStyle/>
               <a:p>
                 <a:pPr/>
+                <a:r>
+                  <a:rPr lang="en-GB" sz="2400" b="0" dirty="0"/>
+                  <a:t>What is </a:t>
+                </a:r>
                 <a14:m>
-                  <m:oMathPara xmlns:m="http://schemas.openxmlformats.org/officeDocument/2006/math">
-                    <m:oMathParaPr>
-                      <m:jc m:val="centerGroup"/>
-                    </m:oMathParaPr>
-                    <m:oMath xmlns:m="http://schemas.openxmlformats.org/officeDocument/2006/math">
-                      <m:f>
-                        <m:fPr>
-                          <m:ctrlPr>
-                            <a:rPr lang="en-GB" sz="2400" b="0" i="1" smtClean="0">
-                              <a:latin typeface="Cambria Math" panose="02040503050406030204" pitchFamily="18" charset="0"/>
-                            </a:rPr>
-                          </m:ctrlPr>
-                        </m:fPr>
-                        <m:num>
-                          <m:r>
-                            <a:rPr lang="en-GB" sz="2400" b="0" i="1" smtClean="0">
-                              <a:latin typeface="Cambria Math" panose="02040503050406030204" pitchFamily="18" charset="0"/>
-                            </a:rPr>
-                            <m:t>3</m:t>
-                          </m:r>
-                        </m:num>
-                        <m:den>
-                          <m:r>
-                            <a:rPr lang="en-GB" sz="2400" b="0" i="1" smtClean="0">
-                              <a:latin typeface="Cambria Math" panose="02040503050406030204" pitchFamily="18" charset="0"/>
-                            </a:rPr>
-                            <m:t>4</m:t>
-                          </m:r>
-                        </m:den>
-                      </m:f>
-                      <m:r>
-                        <a:rPr lang="en-GB" sz="2400" b="0" i="1" smtClean="0">
-                          <a:latin typeface="Cambria Math" panose="02040503050406030204" pitchFamily="18" charset="0"/>
-                        </a:rPr>
-                        <m:t>÷</m:t>
-                      </m:r>
-                      <m:f>
-                        <m:fPr>
-                          <m:ctrlPr>
-                            <a:rPr lang="en-GB" sz="2400" b="0" i="1" smtClean="0">
-                              <a:latin typeface="Cambria Math" panose="02040503050406030204" pitchFamily="18" charset="0"/>
-                            </a:rPr>
-                          </m:ctrlPr>
-                        </m:fPr>
-                        <m:num>
-                          <m:r>
-                            <a:rPr lang="en-GB" sz="2400" b="0" i="1" smtClean="0">
-                              <a:latin typeface="Cambria Math" panose="02040503050406030204" pitchFamily="18" charset="0"/>
-                            </a:rPr>
-                            <m:t>2</m:t>
-                          </m:r>
-                        </m:num>
-                        <m:den>
-                          <m:r>
-                            <a:rPr lang="en-GB" sz="2400" b="0" i="1" smtClean="0">
-                              <a:latin typeface="Cambria Math" panose="02040503050406030204" pitchFamily="18" charset="0"/>
-                            </a:rPr>
-                            <m:t>3</m:t>
-                          </m:r>
-                        </m:den>
-                      </m:f>
-                    </m:oMath>
-                  </m:oMathPara>
+                  <m:oMath xmlns:m="http://schemas.openxmlformats.org/officeDocument/2006/math">
+                    <m:sSup>
+                      <m:sSupPr>
+                        <m:ctrlPr>
+                          <a:rPr lang="en-GB" sz="2400" b="0" i="1" smtClean="0">
+                            <a:latin typeface="Cambria Math" panose="02040503050406030204" pitchFamily="18" charset="0"/>
+                          </a:rPr>
+                        </m:ctrlPr>
+                      </m:sSupPr>
+                      <m:e>
+                        <m:r>
+                          <a:rPr lang="en-GB" sz="2400" b="0" i="1" smtClean="0">
+                            <a:latin typeface="Cambria Math" panose="02040503050406030204" pitchFamily="18" charset="0"/>
+                          </a:rPr>
+                          <m:t>3</m:t>
+                        </m:r>
+                      </m:e>
+                      <m:sup>
+                        <m:r>
+                          <a:rPr lang="en-GB" sz="2400" b="0" i="1" smtClean="0">
+                            <a:latin typeface="Cambria Math" panose="02040503050406030204" pitchFamily="18" charset="0"/>
+                          </a:rPr>
+                          <m:t>−</m:t>
+                        </m:r>
+                        <m:f>
+                          <m:fPr>
+                            <m:ctrlPr>
+                              <a:rPr lang="en-GB" sz="2400" b="0" i="1" smtClean="0">
+                                <a:latin typeface="Cambria Math" panose="02040503050406030204" pitchFamily="18" charset="0"/>
+                              </a:rPr>
+                            </m:ctrlPr>
+                          </m:fPr>
+                          <m:num>
+                            <m:r>
+                              <a:rPr lang="en-GB" sz="2400" b="0" i="1" smtClean="0">
+                                <a:latin typeface="Cambria Math" panose="02040503050406030204" pitchFamily="18" charset="0"/>
+                              </a:rPr>
+                              <m:t>1</m:t>
+                            </m:r>
+                          </m:num>
+                          <m:den>
+                            <m:r>
+                              <a:rPr lang="en-GB" sz="2400" b="0" i="1" smtClean="0">
+                                <a:latin typeface="Cambria Math" panose="02040503050406030204" pitchFamily="18" charset="0"/>
+                              </a:rPr>
+                              <m:t>2</m:t>
+                            </m:r>
+                          </m:den>
+                        </m:f>
+                      </m:sup>
+                    </m:sSup>
+                  </m:oMath>
                 </a14:m>
-                <a:endParaRPr lang="en-GB" sz="2400" dirty="0"/>
+                <a:r>
+                  <a:rPr lang="en-GB" sz="2400" dirty="0"/>
+                  <a:t>?</a:t>
+                </a:r>
               </a:p>
             </p:txBody>
           </p:sp>
@@ -4468,8 +4464,8 @@
             </p:nvSpPr>
             <p:spPr>
               <a:xfrm>
-                <a:off x="1933303" y="2312126"/>
-                <a:ext cx="3148148" cy="786177"/>
+                <a:off x="1867989" y="1392273"/>
+                <a:ext cx="3148148" cy="596830"/>
               </a:xfrm>
               <a:prstGeom prst="rect">
                 <a:avLst/>
@@ -4477,7 +4473,312 @@
               <a:blipFill>
                 <a:blip r:embed="rId2"/>
                 <a:stretch>
+                  <a:fillRect l="-2901" b="-22449"/>
+                </a:stretch>
+              </a:blipFill>
+            </p:spPr>
+            <p:txBody>
+              <a:bodyPr/>
+              <a:lstStyle/>
+              <a:p>
+                <a:r>
+                  <a:rPr lang="en-GB">
+                    <a:noFill/>
+                  </a:rPr>
+                  <a:t> </a:t>
+                </a:r>
+              </a:p>
+            </p:txBody>
+          </p:sp>
+        </mc:Fallback>
+      </mc:AlternateContent>
+      <mc:AlternateContent xmlns:mc="http://schemas.openxmlformats.org/markup-compatibility/2006">
+        <mc:Choice xmlns:a14="http://schemas.microsoft.com/office/drawing/2010/main" Requires="a14">
+          <p:sp>
+            <p:nvSpPr>
+              <p:cNvPr id="4" name="TextBox 3">
+                <a:extLst>
+                  <a:ext uri="{FF2B5EF4-FFF2-40B4-BE49-F238E27FC236}">
+                    <a16:creationId xmlns:a16="http://schemas.microsoft.com/office/drawing/2014/main" id="{F9E05F0B-5948-4FD4-A3A8-4405029FA138}"/>
+                  </a:ext>
+                </a:extLst>
+              </p:cNvPr>
+              <p:cNvSpPr txBox="1"/>
+              <p:nvPr/>
+            </p:nvSpPr>
+            <p:spPr>
+              <a:xfrm>
+                <a:off x="2286000" y="2717836"/>
+                <a:ext cx="4127864" cy="642035"/>
+              </a:xfrm>
+              <a:prstGeom prst="rect">
+                <a:avLst/>
+              </a:prstGeom>
+              <a:noFill/>
+            </p:spPr>
+            <p:txBody>
+              <a:bodyPr wrap="square" rtlCol="0">
+                <a:spAutoFit/>
+              </a:bodyPr>
+              <a:lstStyle/>
+              <a:p>
+                <a:pPr/>
+                <a14:m>
+                  <m:oMathPara xmlns:m="http://schemas.openxmlformats.org/officeDocument/2006/math">
+                    <m:oMathParaPr>
+                      <m:jc m:val="centerGroup"/>
+                    </m:oMathParaPr>
+                    <m:oMath xmlns:m="http://schemas.openxmlformats.org/officeDocument/2006/math">
+                      <m:r>
+                        <a:rPr lang="en-GB" b="0" i="1" smtClean="0">
+                          <a:latin typeface="Cambria Math" panose="02040503050406030204" pitchFamily="18" charset="0"/>
+                        </a:rPr>
+                        <m:t>𝑃𝑒𝑟𝑐𝑒𝑛𝑡𝑎𝑔𝑒</m:t>
+                      </m:r>
+                      <m:r>
+                        <a:rPr lang="en-GB" b="0" i="1" smtClean="0">
+                          <a:latin typeface="Cambria Math" panose="02040503050406030204" pitchFamily="18" charset="0"/>
+                        </a:rPr>
+                        <m:t> </m:t>
+                      </m:r>
+                      <m:r>
+                        <a:rPr lang="en-GB" b="0" i="1" smtClean="0">
+                          <a:latin typeface="Cambria Math" panose="02040503050406030204" pitchFamily="18" charset="0"/>
+                        </a:rPr>
+                        <m:t>𝐼𝑛𝑐𝑟𝑒𝑎𝑠𝑒</m:t>
+                      </m:r>
+                      <m:r>
+                        <a:rPr lang="en-GB" b="0" i="1" smtClean="0">
+                          <a:latin typeface="Cambria Math" panose="02040503050406030204" pitchFamily="18" charset="0"/>
+                        </a:rPr>
+                        <m:t>=</m:t>
+                      </m:r>
+                      <m:f>
+                        <m:fPr>
+                          <m:ctrlPr>
+                            <a:rPr lang="en-GB" b="0" i="1" smtClean="0">
+                              <a:latin typeface="Cambria Math" panose="02040503050406030204" pitchFamily="18" charset="0"/>
+                            </a:rPr>
+                          </m:ctrlPr>
+                        </m:fPr>
+                        <m:num>
+                          <m:r>
+                            <a:rPr lang="en-GB" b="0" i="1" smtClean="0">
+                              <a:latin typeface="Cambria Math" panose="02040503050406030204" pitchFamily="18" charset="0"/>
+                            </a:rPr>
+                            <m:t>200,000</m:t>
+                          </m:r>
+                        </m:num>
+                        <m:den>
+                          <m:r>
+                            <a:rPr lang="en-GB" b="0" i="1" smtClean="0">
+                              <a:latin typeface="Cambria Math" panose="02040503050406030204" pitchFamily="18" charset="0"/>
+                            </a:rPr>
+                            <m:t>350,000</m:t>
+                          </m:r>
+                        </m:den>
+                      </m:f>
+                      <m:r>
+                        <a:rPr lang="en-GB" b="0" i="1" smtClean="0">
+                          <a:latin typeface="Cambria Math" panose="02040503050406030204" pitchFamily="18" charset="0"/>
+                        </a:rPr>
+                        <m:t>×100</m:t>
+                      </m:r>
+                    </m:oMath>
+                  </m:oMathPara>
+                </a14:m>
+                <a:endParaRPr lang="en-GB" dirty="0"/>
+              </a:p>
+            </p:txBody>
+          </p:sp>
+        </mc:Choice>
+        <mc:Fallback>
+          <p:sp>
+            <p:nvSpPr>
+              <p:cNvPr id="4" name="TextBox 3">
+                <a:extLst>
+                  <a:ext uri="{FF2B5EF4-FFF2-40B4-BE49-F238E27FC236}">
+                    <a16:creationId xmlns:a16="http://schemas.microsoft.com/office/drawing/2014/main" id="{F9E05F0B-5948-4FD4-A3A8-4405029FA138}"/>
+                  </a:ext>
+                </a:extLst>
+              </p:cNvPr>
+              <p:cNvSpPr txBox="1">
+                <a:spLocks noRot="1" noChangeAspect="1" noMove="1" noResize="1" noEditPoints="1" noAdjustHandles="1" noChangeArrowheads="1" noChangeShapeType="1" noTextEdit="1"/>
+              </p:cNvSpPr>
+              <p:nvPr/>
+            </p:nvSpPr>
+            <p:spPr>
+              <a:xfrm>
+                <a:off x="2286000" y="2717836"/>
+                <a:ext cx="4127864" cy="642035"/>
+              </a:xfrm>
+              <a:prstGeom prst="rect">
+                <a:avLst/>
+              </a:prstGeom>
+              <a:blipFill>
+                <a:blip r:embed="rId3"/>
+                <a:stretch>
                   <a:fillRect/>
+                </a:stretch>
+              </a:blipFill>
+            </p:spPr>
+            <p:txBody>
+              <a:bodyPr/>
+              <a:lstStyle/>
+              <a:p>
+                <a:r>
+                  <a:rPr lang="en-GB">
+                    <a:noFill/>
+                  </a:rPr>
+                  <a:t> </a:t>
+                </a:r>
+              </a:p>
+            </p:txBody>
+          </p:sp>
+        </mc:Fallback>
+      </mc:AlternateContent>
+      <mc:AlternateContent xmlns:mc="http://schemas.openxmlformats.org/markup-compatibility/2006">
+        <mc:Choice xmlns:a14="http://schemas.microsoft.com/office/drawing/2010/main" Requires="a14">
+          <p:sp>
+            <p:nvSpPr>
+              <p:cNvPr id="7" name="TextBox 6">
+                <a:extLst>
+                  <a:ext uri="{FF2B5EF4-FFF2-40B4-BE49-F238E27FC236}">
+                    <a16:creationId xmlns:a16="http://schemas.microsoft.com/office/drawing/2014/main" id="{CB8F06D0-6FFB-4576-8734-7629C2E9A054}"/>
+                  </a:ext>
+                </a:extLst>
+              </p:cNvPr>
+              <p:cNvSpPr txBox="1"/>
+              <p:nvPr/>
+            </p:nvSpPr>
+            <p:spPr>
+              <a:xfrm>
+                <a:off x="2837907" y="4086938"/>
+                <a:ext cx="3575958" cy="483337"/>
+              </a:xfrm>
+              <a:prstGeom prst="rect">
+                <a:avLst/>
+              </a:prstGeom>
+              <a:noFill/>
+            </p:spPr>
+            <p:txBody>
+              <a:bodyPr wrap="square">
+                <a:spAutoFit/>
+              </a:bodyPr>
+              <a:lstStyle/>
+              <a:p>
+                <a14:m>
+                  <m:oMath xmlns:m="http://schemas.openxmlformats.org/officeDocument/2006/math">
+                    <m:r>
+                      <a:rPr lang="en-GB" b="0" i="1" smtClean="0">
+                        <a:latin typeface="Cambria Math" panose="02040503050406030204" pitchFamily="18" charset="0"/>
+                      </a:rPr>
+                      <m:t>= </m:t>
+                    </m:r>
+                    <m:f>
+                      <m:fPr>
+                        <m:ctrlPr>
+                          <a:rPr lang="en-GB" b="0" i="1" smtClean="0">
+                            <a:latin typeface="Cambria Math" panose="02040503050406030204" pitchFamily="18" charset="0"/>
+                          </a:rPr>
+                        </m:ctrlPr>
+                      </m:fPr>
+                      <m:num>
+                        <m:r>
+                          <a:rPr lang="en-GB" b="0" i="1" smtClean="0">
+                            <a:latin typeface="Cambria Math" panose="02040503050406030204" pitchFamily="18" charset="0"/>
+                          </a:rPr>
+                          <m:t>4</m:t>
+                        </m:r>
+                      </m:num>
+                      <m:den>
+                        <m:r>
+                          <a:rPr lang="en-GB" b="0" i="1" smtClean="0">
+                            <a:latin typeface="Cambria Math" panose="02040503050406030204" pitchFamily="18" charset="0"/>
+                          </a:rPr>
+                          <m:t>7</m:t>
+                        </m:r>
+                      </m:den>
+                    </m:f>
+                    <m:r>
+                      <a:rPr lang="en-GB" b="0" i="1" smtClean="0">
+                        <a:latin typeface="Cambria Math" panose="02040503050406030204" pitchFamily="18" charset="0"/>
+                      </a:rPr>
+                      <m:t>×100=57.1% (</m:t>
+                    </m:r>
+                    <m:r>
+                      <a:rPr lang="en-GB" b="0" i="1" smtClean="0">
+                        <a:latin typeface="Cambria Math" panose="02040503050406030204" pitchFamily="18" charset="0"/>
+                      </a:rPr>
+                      <m:t>𝑡𝑜</m:t>
+                    </m:r>
+                    <m:r>
+                      <a:rPr lang="en-GB" b="0" i="1" smtClean="0">
+                        <a:latin typeface="Cambria Math" panose="02040503050406030204" pitchFamily="18" charset="0"/>
+                      </a:rPr>
+                      <m:t> 1 </m:t>
+                    </m:r>
+                    <m:r>
+                      <a:rPr lang="en-GB" b="0" i="1" smtClean="0">
+                        <a:latin typeface="Cambria Math" panose="02040503050406030204" pitchFamily="18" charset="0"/>
+                      </a:rPr>
+                      <m:t>𝑑</m:t>
+                    </m:r>
+                    <m:r>
+                      <a:rPr lang="en-GB" b="0" i="1" smtClean="0">
+                        <a:latin typeface="Cambria Math" panose="02040503050406030204" pitchFamily="18" charset="0"/>
+                      </a:rPr>
+                      <m:t>.</m:t>
+                    </m:r>
+                    <m:r>
+                      <a:rPr lang="en-GB" b="0" i="1" smtClean="0">
+                        <a:latin typeface="Cambria Math" panose="02040503050406030204" pitchFamily="18" charset="0"/>
+                      </a:rPr>
+                      <m:t>𝑝</m:t>
+                    </m:r>
+                    <m:r>
+                      <a:rPr lang="en-GB" b="0" i="1" smtClean="0">
+                        <a:latin typeface="Cambria Math" panose="02040503050406030204" pitchFamily="18" charset="0"/>
+                      </a:rPr>
+                      <m:t>.)</m:t>
+                    </m:r>
+                  </m:oMath>
+                </a14:m>
+                <a:r>
+                  <a:rPr lang="en-GB" dirty="0"/>
+                  <a:t> </a:t>
+                </a:r>
+              </a:p>
+            </p:txBody>
+          </p:sp>
+        </mc:Choice>
+        <mc:Fallback>
+          <p:sp>
+            <p:nvSpPr>
+              <p:cNvPr id="7" name="TextBox 6">
+                <a:extLst>
+                  <a:ext uri="{FF2B5EF4-FFF2-40B4-BE49-F238E27FC236}">
+                    <a16:creationId xmlns:a16="http://schemas.microsoft.com/office/drawing/2014/main" id="{CB8F06D0-6FFB-4576-8734-7629C2E9A054}"/>
+                  </a:ext>
+                </a:extLst>
+              </p:cNvPr>
+              <p:cNvSpPr txBox="1">
+                <a:spLocks noRot="1" noChangeAspect="1" noMove="1" noResize="1" noEditPoints="1" noAdjustHandles="1" noChangeArrowheads="1" noChangeShapeType="1" noTextEdit="1"/>
+              </p:cNvSpPr>
+              <p:nvPr/>
+            </p:nvSpPr>
+            <p:spPr>
+              <a:xfrm>
+                <a:off x="2837907" y="4086938"/>
+                <a:ext cx="3575958" cy="483337"/>
+              </a:xfrm>
+              <a:prstGeom prst="rect">
+                <a:avLst/>
+              </a:prstGeom>
+              <a:blipFill>
+                <a:blip r:embed="rId4"/>
+                <a:stretch>
+                  <a:fillRect b="-1250"/>
                 </a:stretch>
               </a:blipFill>
             </p:spPr>

--- a/thesis/ukapp2/wqu_isc/shilling_dsp.pptx
+++ b/thesis/ukapp2/wqu_isc/shilling_dsp.pptx
@@ -8,6 +8,7 @@
     <p:sldId id="256" r:id="rId2"/>
     <p:sldId id="257" r:id="rId3"/>
     <p:sldId id="258" r:id="rId4"/>
+    <p:sldId id="259" r:id="rId5"/>
   </p:sldIdLst>
   <p:sldSz cx="12192000" cy="6858000"/>
   <p:notesSz cx="6858000" cy="9144000"/>
@@ -263,7 +264,7 @@
           <a:p>
             <a:fld id="{C89E151B-12C8-4F18-8CB8-A56364489C54}" type="datetimeFigureOut">
               <a:rPr lang="en-GB" smtClean="0"/>
-              <a:t>19/01/2021</a:t>
+              <a:t>28/01/2021</a:t>
             </a:fld>
             <a:endParaRPr lang="en-GB"/>
           </a:p>
@@ -463,7 +464,7 @@
           <a:p>
             <a:fld id="{C89E151B-12C8-4F18-8CB8-A56364489C54}" type="datetimeFigureOut">
               <a:rPr lang="en-GB" smtClean="0"/>
-              <a:t>19/01/2021</a:t>
+              <a:t>28/01/2021</a:t>
             </a:fld>
             <a:endParaRPr lang="en-GB"/>
           </a:p>
@@ -673,7 +674,7 @@
           <a:p>
             <a:fld id="{C89E151B-12C8-4F18-8CB8-A56364489C54}" type="datetimeFigureOut">
               <a:rPr lang="en-GB" smtClean="0"/>
-              <a:t>19/01/2021</a:t>
+              <a:t>28/01/2021</a:t>
             </a:fld>
             <a:endParaRPr lang="en-GB"/>
           </a:p>
@@ -873,7 +874,7 @@
           <a:p>
             <a:fld id="{C89E151B-12C8-4F18-8CB8-A56364489C54}" type="datetimeFigureOut">
               <a:rPr lang="en-GB" smtClean="0"/>
-              <a:t>19/01/2021</a:t>
+              <a:t>28/01/2021</a:t>
             </a:fld>
             <a:endParaRPr lang="en-GB"/>
           </a:p>
@@ -1149,7 +1150,7 @@
           <a:p>
             <a:fld id="{C89E151B-12C8-4F18-8CB8-A56364489C54}" type="datetimeFigureOut">
               <a:rPr lang="en-GB" smtClean="0"/>
-              <a:t>19/01/2021</a:t>
+              <a:t>28/01/2021</a:t>
             </a:fld>
             <a:endParaRPr lang="en-GB"/>
           </a:p>
@@ -1417,7 +1418,7 @@
           <a:p>
             <a:fld id="{C89E151B-12C8-4F18-8CB8-A56364489C54}" type="datetimeFigureOut">
               <a:rPr lang="en-GB" smtClean="0"/>
-              <a:t>19/01/2021</a:t>
+              <a:t>28/01/2021</a:t>
             </a:fld>
             <a:endParaRPr lang="en-GB"/>
           </a:p>
@@ -1832,7 +1833,7 @@
           <a:p>
             <a:fld id="{C89E151B-12C8-4F18-8CB8-A56364489C54}" type="datetimeFigureOut">
               <a:rPr lang="en-GB" smtClean="0"/>
-              <a:t>19/01/2021</a:t>
+              <a:t>28/01/2021</a:t>
             </a:fld>
             <a:endParaRPr lang="en-GB"/>
           </a:p>
@@ -1974,7 +1975,7 @@
           <a:p>
             <a:fld id="{C89E151B-12C8-4F18-8CB8-A56364489C54}" type="datetimeFigureOut">
               <a:rPr lang="en-GB" smtClean="0"/>
-              <a:t>19/01/2021</a:t>
+              <a:t>28/01/2021</a:t>
             </a:fld>
             <a:endParaRPr lang="en-GB"/>
           </a:p>
@@ -2087,7 +2088,7 @@
           <a:p>
             <a:fld id="{C89E151B-12C8-4F18-8CB8-A56364489C54}" type="datetimeFigureOut">
               <a:rPr lang="en-GB" smtClean="0"/>
-              <a:t>19/01/2021</a:t>
+              <a:t>28/01/2021</a:t>
             </a:fld>
             <a:endParaRPr lang="en-GB"/>
           </a:p>
@@ -2400,7 +2401,7 @@
           <a:p>
             <a:fld id="{C89E151B-12C8-4F18-8CB8-A56364489C54}" type="datetimeFigureOut">
               <a:rPr lang="en-GB" smtClean="0"/>
-              <a:t>19/01/2021</a:t>
+              <a:t>28/01/2021</a:t>
             </a:fld>
             <a:endParaRPr lang="en-GB"/>
           </a:p>
@@ -2689,7 +2690,7 @@
           <a:p>
             <a:fld id="{C89E151B-12C8-4F18-8CB8-A56364489C54}" type="datetimeFigureOut">
               <a:rPr lang="en-GB" smtClean="0"/>
-              <a:t>19/01/2021</a:t>
+              <a:t>28/01/2021</a:t>
             </a:fld>
             <a:endParaRPr lang="en-GB"/>
           </a:p>
@@ -2932,7 +2933,7 @@
           <a:p>
             <a:fld id="{C89E151B-12C8-4F18-8CB8-A56364489C54}" type="datetimeFigureOut">
               <a:rPr lang="en-GB" smtClean="0"/>
-              <a:t>19/01/2021</a:t>
+              <a:t>28/01/2021</a:t>
             </a:fld>
             <a:endParaRPr lang="en-GB"/>
           </a:p>
@@ -4350,8 +4351,8 @@
           </a:p>
         </p:txBody>
       </p:sp>
-      <mc:AlternateContent xmlns:mc="http://schemas.openxmlformats.org/markup-compatibility/2006">
-        <mc:Choice xmlns:a14="http://schemas.microsoft.com/office/drawing/2010/main" Requires="a14">
+      <mc:AlternateContent xmlns:mc="http://schemas.openxmlformats.org/markup-compatibility/2006" xmlns:a14="http://schemas.microsoft.com/office/drawing/2010/main">
+        <mc:Choice Requires="a14">
           <p:sp>
             <p:nvSpPr>
               <p:cNvPr id="6" name="TextBox 5">
@@ -4366,8 +4367,8 @@
             </p:nvSpPr>
             <p:spPr>
               <a:xfrm>
-                <a:off x="1867989" y="1392273"/>
-                <a:ext cx="3148148" cy="596830"/>
+                <a:off x="1867988" y="1392273"/>
+                <a:ext cx="5473337" cy="775533"/>
               </a:xfrm>
               <a:prstGeom prst="rect">
                 <a:avLst/>
@@ -4381,73 +4382,342 @@
               <a:lstStyle/>
               <a:p>
                 <a:pPr/>
-                <a:r>
-                  <a:rPr lang="en-GB" sz="2400" b="0" dirty="0"/>
-                  <a:t>What is </a:t>
-                </a:r>
                 <a14:m>
-                  <m:oMath xmlns:m="http://schemas.openxmlformats.org/officeDocument/2006/math">
-                    <m:sSup>
-                      <m:sSupPr>
-                        <m:ctrlPr>
-                          <a:rPr lang="en-GB" sz="2400" b="0" i="1" smtClean="0">
-                            <a:latin typeface="Cambria Math" panose="02040503050406030204" pitchFamily="18" charset="0"/>
-                          </a:rPr>
-                        </m:ctrlPr>
-                      </m:sSupPr>
-                      <m:e>
-                        <m:r>
-                          <a:rPr lang="en-GB" sz="2400" b="0" i="1" smtClean="0">
-                            <a:latin typeface="Cambria Math" panose="02040503050406030204" pitchFamily="18" charset="0"/>
-                          </a:rPr>
-                          <m:t>3</m:t>
-                        </m:r>
-                      </m:e>
-                      <m:sup>
-                        <m:r>
-                          <a:rPr lang="en-GB" sz="2400" b="0" i="1" smtClean="0">
-                            <a:latin typeface="Cambria Math" panose="02040503050406030204" pitchFamily="18" charset="0"/>
-                          </a:rPr>
-                          <m:t>−</m:t>
-                        </m:r>
-                        <m:f>
-                          <m:fPr>
-                            <m:ctrlPr>
-                              <a:rPr lang="en-GB" sz="2400" b="0" i="1" smtClean="0">
-                                <a:latin typeface="Cambria Math" panose="02040503050406030204" pitchFamily="18" charset="0"/>
-                              </a:rPr>
-                            </m:ctrlPr>
-                          </m:fPr>
-                          <m:num>
-                            <m:r>
-                              <a:rPr lang="en-GB" sz="2400" b="0" i="1" smtClean="0">
-                                <a:latin typeface="Cambria Math" panose="02040503050406030204" pitchFamily="18" charset="0"/>
-                              </a:rPr>
-                              <m:t>1</m:t>
-                            </m:r>
-                          </m:num>
-                          <m:den>
-                            <m:r>
-                              <a:rPr lang="en-GB" sz="2400" b="0" i="1" smtClean="0">
-                                <a:latin typeface="Cambria Math" panose="02040503050406030204" pitchFamily="18" charset="0"/>
-                              </a:rPr>
-                              <m:t>2</m:t>
-                            </m:r>
-                          </m:den>
-                        </m:f>
-                      </m:sup>
-                    </m:sSup>
-                  </m:oMath>
+                  <m:oMathPara xmlns:m="http://schemas.openxmlformats.org/officeDocument/2006/math">
+                    <m:oMathParaPr>
+                      <m:jc m:val="centerGroup"/>
+                    </m:oMathParaPr>
+                    <m:oMath xmlns:m="http://schemas.openxmlformats.org/officeDocument/2006/math">
+                      <m:sSup>
+                        <m:sSupPr>
+                          <m:ctrlPr>
+                            <a:rPr lang="en-GB" sz="2400" i="1" smtClean="0">
+                              <a:latin typeface="Cambria Math" panose="02040503050406030204" pitchFamily="18" charset="0"/>
+                            </a:rPr>
+                          </m:ctrlPr>
+                        </m:sSupPr>
+                        <m:e>
+                          <m:r>
+                            <a:rPr lang="en-GB" sz="2400" i="1">
+                              <a:latin typeface="Cambria Math" panose="02040503050406030204" pitchFamily="18" charset="0"/>
+                            </a:rPr>
+                            <m:t>𝑎</m:t>
+                          </m:r>
+                        </m:e>
+                        <m:sup>
+                          <m:f>
+                            <m:fPr>
+                              <m:ctrlPr>
+                                <a:rPr lang="en-GB" sz="2400" b="0" i="1" smtClean="0">
+                                  <a:latin typeface="Cambria Math" panose="02040503050406030204" pitchFamily="18" charset="0"/>
+                                </a:rPr>
+                              </m:ctrlPr>
+                            </m:fPr>
+                            <m:num>
+                              <m:r>
+                                <a:rPr lang="en-GB" sz="2400" b="0" i="1" smtClean="0">
+                                  <a:latin typeface="Cambria Math" panose="02040503050406030204" pitchFamily="18" charset="0"/>
+                                </a:rPr>
+                                <m:t>𝑝</m:t>
+                              </m:r>
+                            </m:num>
+                            <m:den>
+                              <m:r>
+                                <a:rPr lang="en-GB" sz="2400" b="0" i="1" smtClean="0">
+                                  <a:latin typeface="Cambria Math" panose="02040503050406030204" pitchFamily="18" charset="0"/>
+                                </a:rPr>
+                                <m:t>𝑞</m:t>
+                              </m:r>
+                            </m:den>
+                          </m:f>
+                        </m:sup>
+                      </m:sSup>
+                      <m:r>
+                        <a:rPr lang="en-GB" sz="2400" b="0" i="1" smtClean="0">
+                          <a:latin typeface="Cambria Math" panose="02040503050406030204" pitchFamily="18" charset="0"/>
+                        </a:rPr>
+                        <m:t>=</m:t>
+                      </m:r>
+                      <m:sSup>
+                        <m:sSupPr>
+                          <m:ctrlPr>
+                            <a:rPr lang="en-GB" sz="2400" b="0" i="1" smtClean="0">
+                              <a:latin typeface="Cambria Math" panose="02040503050406030204" pitchFamily="18" charset="0"/>
+                            </a:rPr>
+                          </m:ctrlPr>
+                        </m:sSupPr>
+                        <m:e>
+                          <m:d>
+                            <m:dPr>
+                              <m:ctrlPr>
+                                <a:rPr lang="en-GB" sz="2400" i="1">
+                                  <a:latin typeface="Cambria Math" panose="02040503050406030204" pitchFamily="18" charset="0"/>
+                                </a:rPr>
+                              </m:ctrlPr>
+                            </m:dPr>
+                            <m:e>
+                              <m:sSup>
+                                <m:sSupPr>
+                                  <m:ctrlPr>
+                                    <a:rPr lang="en-GB" sz="2400" i="1">
+                                      <a:latin typeface="Cambria Math" panose="02040503050406030204" pitchFamily="18" charset="0"/>
+                                    </a:rPr>
+                                  </m:ctrlPr>
+                                </m:sSupPr>
+                                <m:e>
+                                  <m:r>
+                                    <a:rPr lang="en-GB" sz="2400" i="1">
+                                      <a:latin typeface="Cambria Math" panose="02040503050406030204" pitchFamily="18" charset="0"/>
+                                    </a:rPr>
+                                    <m:t>𝑎</m:t>
+                                  </m:r>
+                                </m:e>
+                                <m:sup>
+                                  <m:f>
+                                    <m:fPr>
+                                      <m:ctrlPr>
+                                        <a:rPr lang="en-GB" sz="2400" i="1">
+                                          <a:latin typeface="Cambria Math" panose="02040503050406030204" pitchFamily="18" charset="0"/>
+                                        </a:rPr>
+                                      </m:ctrlPr>
+                                    </m:fPr>
+                                    <m:num>
+                                      <m:r>
+                                        <a:rPr lang="en-GB" sz="2400" i="1">
+                                          <a:latin typeface="Cambria Math" panose="02040503050406030204" pitchFamily="18" charset="0"/>
+                                        </a:rPr>
+                                        <m:t>1</m:t>
+                                      </m:r>
+                                    </m:num>
+                                    <m:den>
+                                      <m:r>
+                                        <a:rPr lang="en-GB" sz="2400" i="1">
+                                          <a:latin typeface="Cambria Math" panose="02040503050406030204" pitchFamily="18" charset="0"/>
+                                        </a:rPr>
+                                        <m:t>𝑞</m:t>
+                                      </m:r>
+                                    </m:den>
+                                  </m:f>
+                                </m:sup>
+                              </m:sSup>
+                            </m:e>
+                          </m:d>
+                        </m:e>
+                        <m:sup>
+                          <m:r>
+                            <a:rPr lang="en-GB" sz="2400" b="0" i="1" smtClean="0">
+                              <a:latin typeface="Cambria Math" panose="02040503050406030204" pitchFamily="18" charset="0"/>
+                            </a:rPr>
+                            <m:t>𝑝</m:t>
+                          </m:r>
+                        </m:sup>
+                      </m:sSup>
+                      <m:r>
+                        <a:rPr lang="en-GB" sz="2400" b="0" i="1" smtClean="0">
+                          <a:latin typeface="Cambria Math" panose="02040503050406030204" pitchFamily="18" charset="0"/>
+                        </a:rPr>
+                        <m:t>=</m:t>
+                      </m:r>
+                      <m:sSup>
+                        <m:sSupPr>
+                          <m:ctrlPr>
+                            <a:rPr lang="en-GB" sz="2400" i="1">
+                              <a:latin typeface="Cambria Math" panose="02040503050406030204" pitchFamily="18" charset="0"/>
+                            </a:rPr>
+                          </m:ctrlPr>
+                        </m:sSupPr>
+                        <m:e>
+                          <m:d>
+                            <m:dPr>
+                              <m:ctrlPr>
+                                <a:rPr lang="en-GB" sz="2400" i="1">
+                                  <a:latin typeface="Cambria Math" panose="02040503050406030204" pitchFamily="18" charset="0"/>
+                                </a:rPr>
+                              </m:ctrlPr>
+                            </m:dPr>
+                            <m:e>
+                              <m:sSup>
+                                <m:sSupPr>
+                                  <m:ctrlPr>
+                                    <a:rPr lang="en-GB" sz="2400" i="1">
+                                      <a:latin typeface="Cambria Math" panose="02040503050406030204" pitchFamily="18" charset="0"/>
+                                    </a:rPr>
+                                  </m:ctrlPr>
+                                </m:sSupPr>
+                                <m:e>
+                                  <m:r>
+                                    <a:rPr lang="en-GB" sz="2400" i="1">
+                                      <a:latin typeface="Cambria Math" panose="02040503050406030204" pitchFamily="18" charset="0"/>
+                                    </a:rPr>
+                                    <m:t>𝑎</m:t>
+                                  </m:r>
+                                </m:e>
+                                <m:sup>
+                                  <m:r>
+                                    <a:rPr lang="en-GB" sz="2400" b="0" i="1" smtClean="0">
+                                      <a:latin typeface="Cambria Math" panose="02040503050406030204" pitchFamily="18" charset="0"/>
+                                    </a:rPr>
+                                    <m:t>𝑝</m:t>
+                                  </m:r>
+                                </m:sup>
+                              </m:sSup>
+                            </m:e>
+                          </m:d>
+                        </m:e>
+                        <m:sup>
+                          <m:f>
+                            <m:fPr>
+                              <m:ctrlPr>
+                                <a:rPr lang="en-GB" sz="2400" i="1">
+                                  <a:latin typeface="Cambria Math" panose="02040503050406030204" pitchFamily="18" charset="0"/>
+                                </a:rPr>
+                              </m:ctrlPr>
+                            </m:fPr>
+                            <m:num>
+                              <m:r>
+                                <a:rPr lang="en-GB" sz="2400" i="1">
+                                  <a:latin typeface="Cambria Math" panose="02040503050406030204" pitchFamily="18" charset="0"/>
+                                </a:rPr>
+                                <m:t>1</m:t>
+                              </m:r>
+                            </m:num>
+                            <m:den>
+                              <m:r>
+                                <a:rPr lang="en-GB" sz="2400" i="1">
+                                  <a:latin typeface="Cambria Math" panose="02040503050406030204" pitchFamily="18" charset="0"/>
+                                </a:rPr>
+                                <m:t>𝑞</m:t>
+                              </m:r>
+                            </m:den>
+                          </m:f>
+                        </m:sup>
+                      </m:sSup>
+                      <m:r>
+                        <a:rPr lang="en-GB" sz="2400" b="0" i="1" smtClean="0">
+                          <a:latin typeface="Cambria Math" panose="02040503050406030204" pitchFamily="18" charset="0"/>
+                        </a:rPr>
+                        <m:t>=</m:t>
+                      </m:r>
+                      <m:rad>
+                        <m:radPr>
+                          <m:ctrlPr>
+                            <a:rPr lang="en-GB" sz="2400" i="1">
+                              <a:latin typeface="Cambria Math" panose="02040503050406030204" pitchFamily="18" charset="0"/>
+                            </a:rPr>
+                          </m:ctrlPr>
+                        </m:radPr>
+                        <m:deg>
+                          <m:r>
+                            <m:rPr>
+                              <m:brk m:alnAt="7"/>
+                            </m:rPr>
+                            <a:rPr lang="en-GB" sz="2400" i="1">
+                              <a:latin typeface="Cambria Math" panose="02040503050406030204" pitchFamily="18" charset="0"/>
+                            </a:rPr>
+                            <m:t>𝑞</m:t>
+                          </m:r>
+                        </m:deg>
+                        <m:e>
+                          <m:sSup>
+                            <m:sSupPr>
+                              <m:ctrlPr>
+                                <a:rPr lang="en-GB" sz="2400" b="0" i="1" smtClean="0">
+                                  <a:latin typeface="Cambria Math" panose="02040503050406030204" pitchFamily="18" charset="0"/>
+                                </a:rPr>
+                              </m:ctrlPr>
+                            </m:sSupPr>
+                            <m:e>
+                              <m:r>
+                                <a:rPr lang="en-GB" sz="2400" i="1">
+                                  <a:latin typeface="Cambria Math" panose="02040503050406030204" pitchFamily="18" charset="0"/>
+                                </a:rPr>
+                                <m:t>𝑎</m:t>
+                              </m:r>
+                            </m:e>
+                            <m:sup>
+                              <m:r>
+                                <a:rPr lang="en-GB" sz="2400" b="0" i="1" smtClean="0">
+                                  <a:latin typeface="Cambria Math" panose="02040503050406030204" pitchFamily="18" charset="0"/>
+                                </a:rPr>
+                                <m:t>𝑝</m:t>
+                              </m:r>
+                            </m:sup>
+                          </m:sSup>
+                        </m:e>
+                      </m:rad>
+                      <m:r>
+                        <a:rPr lang="en-GB" sz="2400" b="0" i="1" smtClean="0">
+                          <a:latin typeface="Cambria Math" panose="02040503050406030204" pitchFamily="18" charset="0"/>
+                        </a:rPr>
+                        <m:t>=</m:t>
+                      </m:r>
+                      <m:sSup>
+                        <m:sSupPr>
+                          <m:ctrlPr>
+                            <a:rPr lang="en-GB" sz="2400" i="1">
+                              <a:latin typeface="Cambria Math" panose="02040503050406030204" pitchFamily="18" charset="0"/>
+                            </a:rPr>
+                          </m:ctrlPr>
+                        </m:sSupPr>
+                        <m:e>
+                          <m:d>
+                            <m:dPr>
+                              <m:ctrlPr>
+                                <a:rPr lang="en-GB" sz="2400" i="1">
+                                  <a:latin typeface="Cambria Math" panose="02040503050406030204" pitchFamily="18" charset="0"/>
+                                </a:rPr>
+                              </m:ctrlPr>
+                            </m:dPr>
+                            <m:e>
+                              <m:rad>
+                                <m:radPr>
+                                  <m:ctrlPr>
+                                    <a:rPr lang="en-GB" sz="2400" i="1">
+                                      <a:latin typeface="Cambria Math" panose="02040503050406030204" pitchFamily="18" charset="0"/>
+                                    </a:rPr>
+                                  </m:ctrlPr>
+                                </m:radPr>
+                                <m:deg>
+                                  <m:r>
+                                    <m:rPr>
+                                      <m:brk m:alnAt="7"/>
+                                    </m:rPr>
+                                    <a:rPr lang="en-GB" sz="2400" i="1">
+                                      <a:latin typeface="Cambria Math" panose="02040503050406030204" pitchFamily="18" charset="0"/>
+                                    </a:rPr>
+                                    <m:t>𝑞</m:t>
+                                  </m:r>
+                                </m:deg>
+                                <m:e>
+                                  <m:r>
+                                    <a:rPr lang="en-GB" sz="2400" i="1">
+                                      <a:latin typeface="Cambria Math" panose="02040503050406030204" pitchFamily="18" charset="0"/>
+                                    </a:rPr>
+                                    <m:t>𝑎</m:t>
+                                  </m:r>
+                                </m:e>
+                              </m:rad>
+                            </m:e>
+                          </m:d>
+                        </m:e>
+                        <m:sup>
+                          <m:r>
+                            <a:rPr lang="en-GB" sz="2400" i="1">
+                              <a:latin typeface="Cambria Math" panose="02040503050406030204" pitchFamily="18" charset="0"/>
+                            </a:rPr>
+                            <m:t>𝑝</m:t>
+                          </m:r>
+                        </m:sup>
+                      </m:sSup>
+                    </m:oMath>
+                  </m:oMathPara>
                 </a14:m>
-                <a:r>
-                  <a:rPr lang="en-GB" sz="2400" dirty="0"/>
-                  <a:t>?</a:t>
-                </a:r>
+                <a:endParaRPr lang="en-GB" sz="2400" dirty="0"/>
               </a:p>
             </p:txBody>
           </p:sp>
         </mc:Choice>
-        <mc:Fallback>
+        <mc:Fallback xmlns="">
           <p:sp>
             <p:nvSpPr>
               <p:cNvPr id="6" name="TextBox 5">
@@ -4464,8 +4734,8 @@
             </p:nvSpPr>
             <p:spPr>
               <a:xfrm>
-                <a:off x="1867989" y="1392273"/>
-                <a:ext cx="3148148" cy="596830"/>
+                <a:off x="1867988" y="1392273"/>
+                <a:ext cx="5473337" cy="775533"/>
               </a:xfrm>
               <a:prstGeom prst="rect">
                 <a:avLst/>
@@ -4473,7 +4743,7 @@
               <a:blipFill>
                 <a:blip r:embed="rId2"/>
                 <a:stretch>
-                  <a:fillRect l="-2901" b="-22449"/>
+                  <a:fillRect/>
                 </a:stretch>
               </a:blipFill>
             </p:spPr>
@@ -4492,8 +4762,8 @@
           </p:sp>
         </mc:Fallback>
       </mc:AlternateContent>
-      <mc:AlternateContent xmlns:mc="http://schemas.openxmlformats.org/markup-compatibility/2006">
-        <mc:Choice xmlns:a14="http://schemas.microsoft.com/office/drawing/2010/main" Requires="a14">
+      <mc:AlternateContent xmlns:mc="http://schemas.openxmlformats.org/markup-compatibility/2006" xmlns:a14="http://schemas.microsoft.com/office/drawing/2010/main">
+        <mc:Choice Requires="a14">
           <p:sp>
             <p:nvSpPr>
               <p:cNvPr id="4" name="TextBox 3">
@@ -4508,7 +4778,7 @@
             </p:nvSpPr>
             <p:spPr>
               <a:xfrm>
-                <a:off x="2286000" y="2717836"/>
+                <a:off x="2286001" y="2786965"/>
                 <a:ext cx="4127864" cy="642035"/>
               </a:xfrm>
               <a:prstGeom prst="rect">
@@ -4574,7 +4844,7 @@
                             <a:rPr lang="en-GB" b="0" i="1" smtClean="0">
                               <a:latin typeface="Cambria Math" panose="02040503050406030204" pitchFamily="18" charset="0"/>
                             </a:rPr>
-                            <m:t>350,000</m:t>
+                            <m:t>150,000</m:t>
                           </m:r>
                         </m:den>
                       </m:f>
@@ -4592,7 +4862,7 @@
             </p:txBody>
           </p:sp>
         </mc:Choice>
-        <mc:Fallback>
+        <mc:Fallback xmlns="">
           <p:sp>
             <p:nvSpPr>
               <p:cNvPr id="4" name="TextBox 3">
@@ -4609,7 +4879,7 @@
             </p:nvSpPr>
             <p:spPr>
               <a:xfrm>
-                <a:off x="2286000" y="2717836"/>
+                <a:off x="2286001" y="2786965"/>
                 <a:ext cx="4127864" cy="642035"/>
               </a:xfrm>
               <a:prstGeom prst="rect">
@@ -4653,7 +4923,7 @@
             </p:nvSpPr>
             <p:spPr>
               <a:xfrm>
-                <a:off x="2837907" y="4086938"/>
+                <a:off x="2561954" y="5850424"/>
                 <a:ext cx="3575958" cy="483337"/>
               </a:xfrm>
               <a:prstGeom prst="rect">
@@ -4696,7 +4966,7 @@
                           <a:rPr lang="en-GB" b="0" i="1" smtClean="0">
                             <a:latin typeface="Cambria Math" panose="02040503050406030204" pitchFamily="18" charset="0"/>
                           </a:rPr>
-                          <m:t>7</m:t>
+                          <m:t>3</m:t>
                         </m:r>
                       </m:den>
                     </m:f>
@@ -4704,7 +4974,7 @@
                       <a:rPr lang="en-GB" b="0" i="1" smtClean="0">
                         <a:latin typeface="Cambria Math" panose="02040503050406030204" pitchFamily="18" charset="0"/>
                       </a:rPr>
-                      <m:t>×100=57.1% (</m:t>
+                      <m:t>×100=133.3% (</m:t>
                     </m:r>
                     <m:r>
                       <a:rPr lang="en-GB" b="0" i="1" smtClean="0">
@@ -4769,7 +5039,7 @@
             </p:nvSpPr>
             <p:spPr>
               <a:xfrm>
-                <a:off x="2837907" y="4086938"/>
+                <a:off x="2561954" y="5850424"/>
                 <a:ext cx="3575958" cy="483337"/>
               </a:xfrm>
               <a:prstGeom prst="rect">
@@ -4778,7 +5048,222 @@
               <a:blipFill>
                 <a:blip r:embed="rId4"/>
                 <a:stretch>
-                  <a:fillRect b="-1250"/>
+                  <a:fillRect b="-2532"/>
+                </a:stretch>
+              </a:blipFill>
+            </p:spPr>
+            <p:txBody>
+              <a:bodyPr/>
+              <a:lstStyle/>
+              <a:p>
+                <a:r>
+                  <a:rPr lang="en-GB">
+                    <a:noFill/>
+                  </a:rPr>
+                  <a:t> </a:t>
+                </a:r>
+              </a:p>
+            </p:txBody>
+          </p:sp>
+        </mc:Fallback>
+      </mc:AlternateContent>
+      <mc:AlternateContent xmlns:mc="http://schemas.openxmlformats.org/markup-compatibility/2006">
+        <mc:Choice xmlns:a14="http://schemas.microsoft.com/office/drawing/2010/main" Requires="a14">
+          <p:sp>
+            <p:nvSpPr>
+              <p:cNvPr id="8" name="TextBox 7">
+                <a:extLst>
+                  <a:ext uri="{FF2B5EF4-FFF2-40B4-BE49-F238E27FC236}">
+                    <a16:creationId xmlns:a16="http://schemas.microsoft.com/office/drawing/2014/main" id="{2535A1DE-D67F-4478-B858-3B0449ABA410}"/>
+                  </a:ext>
+                </a:extLst>
+              </p:cNvPr>
+              <p:cNvSpPr txBox="1"/>
+              <p:nvPr/>
+            </p:nvSpPr>
+            <p:spPr>
+              <a:xfrm>
+                <a:off x="2386150" y="4369177"/>
+                <a:ext cx="4127864" cy="612732"/>
+              </a:xfrm>
+              <a:prstGeom prst="rect">
+                <a:avLst/>
+              </a:prstGeom>
+              <a:noFill/>
+            </p:spPr>
+            <p:txBody>
+              <a:bodyPr wrap="square" rtlCol="0">
+                <a:spAutoFit/>
+              </a:bodyPr>
+              <a:lstStyle/>
+              <a:p>
+                <a:pPr/>
+                <a14:m>
+                  <m:oMathPara xmlns:m="http://schemas.openxmlformats.org/officeDocument/2006/math">
+                    <m:oMathParaPr>
+                      <m:jc m:val="centerGroup"/>
+                    </m:oMathParaPr>
+                    <m:oMath xmlns:m="http://schemas.openxmlformats.org/officeDocument/2006/math">
+                      <m:sSup>
+                        <m:sSupPr>
+                          <m:ctrlPr>
+                            <a:rPr lang="en-GB" b="0" i="1" smtClean="0">
+                              <a:latin typeface="Cambria Math" panose="02040503050406030204" pitchFamily="18" charset="0"/>
+                            </a:rPr>
+                          </m:ctrlPr>
+                        </m:sSupPr>
+                        <m:e>
+                          <m:r>
+                            <a:rPr lang="en-GB" b="0" i="1" smtClean="0">
+                              <a:latin typeface="Cambria Math" panose="02040503050406030204" pitchFamily="18" charset="0"/>
+                            </a:rPr>
+                            <m:t>𝑚</m:t>
+                          </m:r>
+                        </m:e>
+                        <m:sup>
+                          <m:f>
+                            <m:fPr>
+                              <m:ctrlPr>
+                                <a:rPr lang="en-GB" b="0" i="1" smtClean="0">
+                                  <a:latin typeface="Cambria Math" panose="02040503050406030204" pitchFamily="18" charset="0"/>
+                                </a:rPr>
+                              </m:ctrlPr>
+                            </m:fPr>
+                            <m:num>
+                              <m:r>
+                                <a:rPr lang="en-GB" b="0" i="1" smtClean="0">
+                                  <a:latin typeface="Cambria Math" panose="02040503050406030204" pitchFamily="18" charset="0"/>
+                                </a:rPr>
+                                <m:t>1</m:t>
+                              </m:r>
+                            </m:num>
+                            <m:den>
+                              <m:r>
+                                <a:rPr lang="en-GB" b="0" i="1" smtClean="0">
+                                  <a:latin typeface="Cambria Math" panose="02040503050406030204" pitchFamily="18" charset="0"/>
+                                </a:rPr>
+                                <m:t>3</m:t>
+                              </m:r>
+                            </m:den>
+                          </m:f>
+                        </m:sup>
+                      </m:sSup>
+                      <m:r>
+                        <a:rPr lang="en-GB" b="0" i="1" smtClean="0">
+                          <a:latin typeface="Cambria Math" panose="02040503050406030204" pitchFamily="18" charset="0"/>
+                        </a:rPr>
+                        <m:t>≠</m:t>
+                      </m:r>
+                      <m:sSup>
+                        <m:sSupPr>
+                          <m:ctrlPr>
+                            <a:rPr lang="en-GB" b="0" i="1" smtClean="0">
+                              <a:latin typeface="Cambria Math" panose="02040503050406030204" pitchFamily="18" charset="0"/>
+                            </a:rPr>
+                          </m:ctrlPr>
+                        </m:sSupPr>
+                        <m:e>
+                          <m:r>
+                            <a:rPr lang="en-GB" b="0" i="1" smtClean="0">
+                              <a:latin typeface="Cambria Math" panose="02040503050406030204" pitchFamily="18" charset="0"/>
+                            </a:rPr>
+                            <m:t>𝑚</m:t>
+                          </m:r>
+                        </m:e>
+                        <m:sup>
+                          <m:r>
+                            <a:rPr lang="en-GB" b="0" i="1" smtClean="0">
+                              <a:latin typeface="Cambria Math" panose="02040503050406030204" pitchFamily="18" charset="0"/>
+                            </a:rPr>
+                            <m:t>−3</m:t>
+                          </m:r>
+                        </m:sup>
+                      </m:sSup>
+                      <m:r>
+                        <a:rPr lang="en-GB" b="0" i="1" smtClean="0">
+                          <a:latin typeface="Cambria Math" panose="02040503050406030204" pitchFamily="18" charset="0"/>
+                        </a:rPr>
+                        <m:t>=</m:t>
+                      </m:r>
+                      <m:f>
+                        <m:fPr>
+                          <m:ctrlPr>
+                            <a:rPr lang="en-GB" b="0" i="1" smtClean="0">
+                              <a:latin typeface="Cambria Math" panose="02040503050406030204" pitchFamily="18" charset="0"/>
+                            </a:rPr>
+                          </m:ctrlPr>
+                        </m:fPr>
+                        <m:num>
+                          <m:r>
+                            <a:rPr lang="en-GB" b="0" i="1" smtClean="0">
+                              <a:latin typeface="Cambria Math" panose="02040503050406030204" pitchFamily="18" charset="0"/>
+                            </a:rPr>
+                            <m:t>1</m:t>
+                          </m:r>
+                        </m:num>
+                        <m:den>
+                          <m:sSup>
+                            <m:sSupPr>
+                              <m:ctrlPr>
+                                <a:rPr lang="en-GB" b="0" i="1" smtClean="0">
+                                  <a:latin typeface="Cambria Math" panose="02040503050406030204" pitchFamily="18" charset="0"/>
+                                </a:rPr>
+                              </m:ctrlPr>
+                            </m:sSupPr>
+                            <m:e>
+                              <m:r>
+                                <a:rPr lang="en-GB" b="0" i="1" smtClean="0">
+                                  <a:latin typeface="Cambria Math" panose="02040503050406030204" pitchFamily="18" charset="0"/>
+                                </a:rPr>
+                                <m:t>𝑚</m:t>
+                              </m:r>
+                            </m:e>
+                            <m:sup>
+                              <m:r>
+                                <a:rPr lang="en-GB" b="0" i="1" smtClean="0">
+                                  <a:latin typeface="Cambria Math" panose="02040503050406030204" pitchFamily="18" charset="0"/>
+                                </a:rPr>
+                                <m:t>3</m:t>
+                              </m:r>
+                            </m:sup>
+                          </m:sSup>
+                        </m:den>
+                      </m:f>
+                    </m:oMath>
+                  </m:oMathPara>
+                </a14:m>
+                <a:endParaRPr lang="en-GB" dirty="0"/>
+              </a:p>
+            </p:txBody>
+          </p:sp>
+        </mc:Choice>
+        <mc:Fallback>
+          <p:sp>
+            <p:nvSpPr>
+              <p:cNvPr id="8" name="TextBox 7">
+                <a:extLst>
+                  <a:ext uri="{FF2B5EF4-FFF2-40B4-BE49-F238E27FC236}">
+                    <a16:creationId xmlns:a16="http://schemas.microsoft.com/office/drawing/2014/main" id="{2535A1DE-D67F-4478-B858-3B0449ABA410}"/>
+                  </a:ext>
+                </a:extLst>
+              </p:cNvPr>
+              <p:cNvSpPr txBox="1">
+                <a:spLocks noRot="1" noChangeAspect="1" noMove="1" noResize="1" noEditPoints="1" noAdjustHandles="1" noChangeArrowheads="1" noChangeShapeType="1" noTextEdit="1"/>
+              </p:cNvSpPr>
+              <p:nvPr/>
+            </p:nvSpPr>
+            <p:spPr>
+              <a:xfrm>
+                <a:off x="2386150" y="4369177"/>
+                <a:ext cx="4127864" cy="612732"/>
+              </a:xfrm>
+              <a:prstGeom prst="rect">
+                <a:avLst/>
+              </a:prstGeom>
+              <a:blipFill>
+                <a:blip r:embed="rId5"/>
+                <a:stretch>
+                  <a:fillRect/>
                 </a:stretch>
               </a:blipFill>
             </p:spPr>
@@ -4801,6 +5286,71 @@
     <p:extLst>
       <p:ext uri="{BB962C8B-B14F-4D97-AF65-F5344CB8AC3E}">
         <p14:creationId xmlns:p14="http://schemas.microsoft.com/office/powerpoint/2010/main" val="254345566"/>
+      </p:ext>
+    </p:extLst>
+  </p:cSld>
+  <p:clrMapOvr>
+    <a:masterClrMapping/>
+  </p:clrMapOvr>
+</p:sld>
+</file>
+
+<file path=ppt/slides/slide4.xml><?xml version="1.0" encoding="utf-8"?>
+<p:sld xmlns:a="http://schemas.openxmlformats.org/drawingml/2006/main" xmlns:r="http://schemas.openxmlformats.org/officeDocument/2006/relationships" xmlns:p="http://schemas.openxmlformats.org/presentationml/2006/main">
+  <p:cSld>
+    <p:spTree>
+      <p:nvGrpSpPr>
+        <p:cNvPr id="1" name=""/>
+        <p:cNvGrpSpPr/>
+        <p:nvPr/>
+      </p:nvGrpSpPr>
+      <p:grpSpPr>
+        <a:xfrm>
+          <a:off x="0" y="0"/>
+          <a:ext cx="0" cy="0"/>
+          <a:chOff x="0" y="0"/>
+          <a:chExt cx="0" cy="0"/>
+        </a:xfrm>
+      </p:grpSpPr>
+      <p:pic>
+        <p:nvPicPr>
+          <p:cNvPr id="5" name="Picture 4" descr="Graphical user interface, text, application, email&#10;&#10;Description automatically generated">
+            <a:extLst>
+              <a:ext uri="{FF2B5EF4-FFF2-40B4-BE49-F238E27FC236}">
+                <a16:creationId xmlns:a16="http://schemas.microsoft.com/office/drawing/2014/main" id="{04703A30-ECC6-4E5D-ACC9-D0C8FB1801C2}"/>
+              </a:ext>
+            </a:extLst>
+          </p:cNvPr>
+          <p:cNvPicPr>
+            <a:picLocks noChangeAspect="1"/>
+          </p:cNvPicPr>
+          <p:nvPr/>
+        </p:nvPicPr>
+        <p:blipFill rotWithShape="1">
+          <a:blip r:embed="rId2">
+            <a:extLst>
+              <a:ext uri="{28A0092B-C50C-407E-A947-70E740481C1C}">
+                <a14:useLocalDpi xmlns:a14="http://schemas.microsoft.com/office/drawing/2010/main" val="0"/>
+              </a:ext>
+            </a:extLst>
+          </a:blip>
+          <a:srcRect b="25990"/>
+          <a:stretch/>
+        </p:blipFill>
+        <p:spPr>
+          <a:xfrm>
+            <a:off x="2614088" y="543338"/>
+            <a:ext cx="6115683" cy="5075583"/>
+          </a:xfrm>
+          <a:prstGeom prst="rect">
+            <a:avLst/>
+          </a:prstGeom>
+        </p:spPr>
+      </p:pic>
+    </p:spTree>
+    <p:extLst>
+      <p:ext uri="{BB962C8B-B14F-4D97-AF65-F5344CB8AC3E}">
+        <p14:creationId xmlns:p14="http://schemas.microsoft.com/office/powerpoint/2010/main" val="3968498258"/>
       </p:ext>
     </p:extLst>
   </p:cSld>

--- a/thesis/ukapp2/wqu_isc/shilling_dsp.pptx
+++ b/thesis/ukapp2/wqu_isc/shilling_dsp.pptx
@@ -9,6 +9,7 @@
     <p:sldId id="257" r:id="rId3"/>
     <p:sldId id="258" r:id="rId4"/>
     <p:sldId id="259" r:id="rId5"/>
+    <p:sldId id="260" r:id="rId6"/>
   </p:sldIdLst>
   <p:sldSz cx="12192000" cy="6858000"/>
   <p:notesSz cx="6858000" cy="9144000"/>
@@ -264,7 +265,7 @@
           <a:p>
             <a:fld id="{C89E151B-12C8-4F18-8CB8-A56364489C54}" type="datetimeFigureOut">
               <a:rPr lang="en-GB" smtClean="0"/>
-              <a:t>28/01/2021</a:t>
+              <a:t>10/02/2021</a:t>
             </a:fld>
             <a:endParaRPr lang="en-GB"/>
           </a:p>
@@ -464,7 +465,7 @@
           <a:p>
             <a:fld id="{C89E151B-12C8-4F18-8CB8-A56364489C54}" type="datetimeFigureOut">
               <a:rPr lang="en-GB" smtClean="0"/>
-              <a:t>28/01/2021</a:t>
+              <a:t>10/02/2021</a:t>
             </a:fld>
             <a:endParaRPr lang="en-GB"/>
           </a:p>
@@ -674,7 +675,7 @@
           <a:p>
             <a:fld id="{C89E151B-12C8-4F18-8CB8-A56364489C54}" type="datetimeFigureOut">
               <a:rPr lang="en-GB" smtClean="0"/>
-              <a:t>28/01/2021</a:t>
+              <a:t>10/02/2021</a:t>
             </a:fld>
             <a:endParaRPr lang="en-GB"/>
           </a:p>
@@ -874,7 +875,7 @@
           <a:p>
             <a:fld id="{C89E151B-12C8-4F18-8CB8-A56364489C54}" type="datetimeFigureOut">
               <a:rPr lang="en-GB" smtClean="0"/>
-              <a:t>28/01/2021</a:t>
+              <a:t>10/02/2021</a:t>
             </a:fld>
             <a:endParaRPr lang="en-GB"/>
           </a:p>
@@ -1150,7 +1151,7 @@
           <a:p>
             <a:fld id="{C89E151B-12C8-4F18-8CB8-A56364489C54}" type="datetimeFigureOut">
               <a:rPr lang="en-GB" smtClean="0"/>
-              <a:t>28/01/2021</a:t>
+              <a:t>10/02/2021</a:t>
             </a:fld>
             <a:endParaRPr lang="en-GB"/>
           </a:p>
@@ -1418,7 +1419,7 @@
           <a:p>
             <a:fld id="{C89E151B-12C8-4F18-8CB8-A56364489C54}" type="datetimeFigureOut">
               <a:rPr lang="en-GB" smtClean="0"/>
-              <a:t>28/01/2021</a:t>
+              <a:t>10/02/2021</a:t>
             </a:fld>
             <a:endParaRPr lang="en-GB"/>
           </a:p>
@@ -1833,7 +1834,7 @@
           <a:p>
             <a:fld id="{C89E151B-12C8-4F18-8CB8-A56364489C54}" type="datetimeFigureOut">
               <a:rPr lang="en-GB" smtClean="0"/>
-              <a:t>28/01/2021</a:t>
+              <a:t>10/02/2021</a:t>
             </a:fld>
             <a:endParaRPr lang="en-GB"/>
           </a:p>
@@ -1975,7 +1976,7 @@
           <a:p>
             <a:fld id="{C89E151B-12C8-4F18-8CB8-A56364489C54}" type="datetimeFigureOut">
               <a:rPr lang="en-GB" smtClean="0"/>
-              <a:t>28/01/2021</a:t>
+              <a:t>10/02/2021</a:t>
             </a:fld>
             <a:endParaRPr lang="en-GB"/>
           </a:p>
@@ -2088,7 +2089,7 @@
           <a:p>
             <a:fld id="{C89E151B-12C8-4F18-8CB8-A56364489C54}" type="datetimeFigureOut">
               <a:rPr lang="en-GB" smtClean="0"/>
-              <a:t>28/01/2021</a:t>
+              <a:t>10/02/2021</a:t>
             </a:fld>
             <a:endParaRPr lang="en-GB"/>
           </a:p>
@@ -2401,7 +2402,7 @@
           <a:p>
             <a:fld id="{C89E151B-12C8-4F18-8CB8-A56364489C54}" type="datetimeFigureOut">
               <a:rPr lang="en-GB" smtClean="0"/>
-              <a:t>28/01/2021</a:t>
+              <a:t>10/02/2021</a:t>
             </a:fld>
             <a:endParaRPr lang="en-GB"/>
           </a:p>
@@ -2690,7 +2691,7 @@
           <a:p>
             <a:fld id="{C89E151B-12C8-4F18-8CB8-A56364489C54}" type="datetimeFigureOut">
               <a:rPr lang="en-GB" smtClean="0"/>
-              <a:t>28/01/2021</a:t>
+              <a:t>10/02/2021</a:t>
             </a:fld>
             <a:endParaRPr lang="en-GB"/>
           </a:p>
@@ -2933,7 +2934,7 @@
           <a:p>
             <a:fld id="{C89E151B-12C8-4F18-8CB8-A56364489C54}" type="datetimeFigureOut">
               <a:rPr lang="en-GB" smtClean="0"/>
-              <a:t>28/01/2021</a:t>
+              <a:t>10/02/2021</a:t>
             </a:fld>
             <a:endParaRPr lang="en-GB"/>
           </a:p>
@@ -4907,8 +4908,8 @@
           </p:sp>
         </mc:Fallback>
       </mc:AlternateContent>
-      <mc:AlternateContent xmlns:mc="http://schemas.openxmlformats.org/markup-compatibility/2006">
-        <mc:Choice xmlns:a14="http://schemas.microsoft.com/office/drawing/2010/main" Requires="a14">
+      <mc:AlternateContent xmlns:mc="http://schemas.openxmlformats.org/markup-compatibility/2006" xmlns:a14="http://schemas.microsoft.com/office/drawing/2010/main">
+        <mc:Choice Requires="a14">
           <p:sp>
             <p:nvSpPr>
               <p:cNvPr id="7" name="TextBox 6">
@@ -5022,7 +5023,7 @@
             </p:txBody>
           </p:sp>
         </mc:Choice>
-        <mc:Fallback>
+        <mc:Fallback xmlns="">
           <p:sp>
             <p:nvSpPr>
               <p:cNvPr id="7" name="TextBox 6">
@@ -5067,8 +5068,8 @@
           </p:sp>
         </mc:Fallback>
       </mc:AlternateContent>
-      <mc:AlternateContent xmlns:mc="http://schemas.openxmlformats.org/markup-compatibility/2006">
-        <mc:Choice xmlns:a14="http://schemas.microsoft.com/office/drawing/2010/main" Requires="a14">
+      <mc:AlternateContent xmlns:mc="http://schemas.openxmlformats.org/markup-compatibility/2006" xmlns:a14="http://schemas.microsoft.com/office/drawing/2010/main">
+        <mc:Choice Requires="a14">
           <p:sp>
             <p:nvSpPr>
               <p:cNvPr id="8" name="TextBox 7">
@@ -5237,7 +5238,7 @@
             </p:txBody>
           </p:sp>
         </mc:Choice>
-        <mc:Fallback>
+        <mc:Fallback xmlns="">
           <p:sp>
             <p:nvSpPr>
               <p:cNvPr id="8" name="TextBox 7">
@@ -5312,12 +5313,757 @@
           <a:chExt cx="0" cy="0"/>
         </a:xfrm>
       </p:grpSpPr>
+      <p:grpSp>
+        <p:nvGrpSpPr>
+          <p:cNvPr id="5" name="Group 4">
+            <a:extLst>
+              <a:ext uri="{FF2B5EF4-FFF2-40B4-BE49-F238E27FC236}">
+                <a16:creationId xmlns:a16="http://schemas.microsoft.com/office/drawing/2014/main" id="{2E4DE2A0-F6E9-4DF9-B65E-7D47783976F8}"/>
+              </a:ext>
+            </a:extLst>
+          </p:cNvPr>
+          <p:cNvGrpSpPr/>
+          <p:nvPr/>
+        </p:nvGrpSpPr>
+        <p:grpSpPr>
+          <a:xfrm>
+            <a:off x="2119380" y="2021171"/>
+            <a:ext cx="5387954" cy="4030504"/>
+            <a:chOff x="2119380" y="2021171"/>
+            <a:chExt cx="5387954" cy="4030504"/>
+          </a:xfrm>
+        </p:grpSpPr>
+        <p:sp>
+          <p:nvSpPr>
+            <p:cNvPr id="3" name="Freeform: Shape 2">
+              <a:extLst>
+                <a:ext uri="{FF2B5EF4-FFF2-40B4-BE49-F238E27FC236}">
+                  <a16:creationId xmlns:a16="http://schemas.microsoft.com/office/drawing/2014/main" id="{77115B27-7A48-46B2-B24A-7CB984E993B1}"/>
+                </a:ext>
+              </a:extLst>
+            </p:cNvPr>
+            <p:cNvSpPr/>
+            <p:nvPr/>
+          </p:nvSpPr>
+          <p:spPr>
+            <a:xfrm>
+              <a:off x="2834640" y="2390503"/>
+              <a:ext cx="4362994" cy="3291840"/>
+            </a:xfrm>
+            <a:custGeom>
+              <a:avLst/>
+              <a:gdLst>
+                <a:gd name="connsiteX0" fmla="*/ 4349931 w 4362994"/>
+                <a:gd name="connsiteY0" fmla="*/ 3291840 h 3291840"/>
+                <a:gd name="connsiteX1" fmla="*/ 0 w 4362994"/>
+                <a:gd name="connsiteY1" fmla="*/ 2664823 h 3291840"/>
+                <a:gd name="connsiteX2" fmla="*/ 130629 w 4362994"/>
+                <a:gd name="connsiteY2" fmla="*/ 0 h 3291840"/>
+                <a:gd name="connsiteX3" fmla="*/ 3474720 w 4362994"/>
+                <a:gd name="connsiteY3" fmla="*/ 1031966 h 3291840"/>
+                <a:gd name="connsiteX4" fmla="*/ 4362994 w 4362994"/>
+                <a:gd name="connsiteY4" fmla="*/ 3239588 h 3291840"/>
+                <a:gd name="connsiteX5" fmla="*/ 4349931 w 4362994"/>
+                <a:gd name="connsiteY5" fmla="*/ 3291840 h 3291840"/>
+              </a:gdLst>
+              <a:ahLst/>
+              <a:cxnLst>
+                <a:cxn ang="0">
+                  <a:pos x="connsiteX0" y="connsiteY0"/>
+                </a:cxn>
+                <a:cxn ang="0">
+                  <a:pos x="connsiteX1" y="connsiteY1"/>
+                </a:cxn>
+                <a:cxn ang="0">
+                  <a:pos x="connsiteX2" y="connsiteY2"/>
+                </a:cxn>
+                <a:cxn ang="0">
+                  <a:pos x="connsiteX3" y="connsiteY3"/>
+                </a:cxn>
+                <a:cxn ang="0">
+                  <a:pos x="connsiteX4" y="connsiteY4"/>
+                </a:cxn>
+                <a:cxn ang="0">
+                  <a:pos x="connsiteX5" y="connsiteY5"/>
+                </a:cxn>
+              </a:cxnLst>
+              <a:rect l="l" t="t" r="r" b="b"/>
+              <a:pathLst>
+                <a:path w="4362994" h="3291840">
+                  <a:moveTo>
+                    <a:pt x="4349931" y="3291840"/>
+                  </a:moveTo>
+                  <a:lnTo>
+                    <a:pt x="0" y="2664823"/>
+                  </a:lnTo>
+                  <a:lnTo>
+                    <a:pt x="130629" y="0"/>
+                  </a:lnTo>
+                  <a:lnTo>
+                    <a:pt x="3474720" y="1031966"/>
+                  </a:lnTo>
+                  <a:lnTo>
+                    <a:pt x="4362994" y="3239588"/>
+                  </a:lnTo>
+                  <a:lnTo>
+                    <a:pt x="4349931" y="3291840"/>
+                  </a:lnTo>
+                  <a:close/>
+                </a:path>
+              </a:pathLst>
+            </a:custGeom>
+          </p:spPr>
+          <p:style>
+            <a:lnRef idx="2">
+              <a:schemeClr val="dk1"/>
+            </a:lnRef>
+            <a:fillRef idx="1">
+              <a:schemeClr val="lt1"/>
+            </a:fillRef>
+            <a:effectRef idx="0">
+              <a:schemeClr val="dk1"/>
+            </a:effectRef>
+            <a:fontRef idx="minor">
+              <a:schemeClr val="dk1"/>
+            </a:fontRef>
+          </p:style>
+          <p:txBody>
+            <a:bodyPr rtlCol="0" anchor="ctr"/>
+            <a:lstStyle/>
+            <a:p>
+              <a:pPr algn="ctr"/>
+              <a:endParaRPr lang="en-GB"/>
+            </a:p>
+          </p:txBody>
+        </p:sp>
+        <p:sp>
+          <p:nvSpPr>
+            <p:cNvPr id="4" name="TextBox 3">
+              <a:extLst>
+                <a:ext uri="{FF2B5EF4-FFF2-40B4-BE49-F238E27FC236}">
+                  <a16:creationId xmlns:a16="http://schemas.microsoft.com/office/drawing/2014/main" id="{77574C08-D287-4A46-990B-4C96BC0E6DCD}"/>
+                </a:ext>
+              </a:extLst>
+            </p:cNvPr>
+            <p:cNvSpPr txBox="1"/>
+            <p:nvPr/>
+          </p:nvSpPr>
+          <p:spPr>
+            <a:xfrm>
+              <a:off x="2834640" y="2021171"/>
+              <a:ext cx="303288" cy="369332"/>
+            </a:xfrm>
+            <a:prstGeom prst="rect">
+              <a:avLst/>
+            </a:prstGeom>
+            <a:noFill/>
+          </p:spPr>
+          <p:txBody>
+            <a:bodyPr wrap="none" rtlCol="0">
+              <a:spAutoFit/>
+            </a:bodyPr>
+            <a:lstStyle/>
+            <a:p>
+              <a:r>
+                <a:rPr lang="en-GB" dirty="0"/>
+                <a:t>P</a:t>
+              </a:r>
+            </a:p>
+          </p:txBody>
+        </p:sp>
+        <p:sp>
+          <p:nvSpPr>
+            <p:cNvPr id="6" name="TextBox 5">
+              <a:extLst>
+                <a:ext uri="{FF2B5EF4-FFF2-40B4-BE49-F238E27FC236}">
+                  <a16:creationId xmlns:a16="http://schemas.microsoft.com/office/drawing/2014/main" id="{83803259-CC6C-46FA-A992-9F5C6EF4AF89}"/>
+                </a:ext>
+              </a:extLst>
+            </p:cNvPr>
+            <p:cNvSpPr txBox="1"/>
+            <p:nvPr/>
+          </p:nvSpPr>
+          <p:spPr>
+            <a:xfrm>
+              <a:off x="6296297" y="3059668"/>
+              <a:ext cx="340158" cy="369332"/>
+            </a:xfrm>
+            <a:prstGeom prst="rect">
+              <a:avLst/>
+            </a:prstGeom>
+            <a:noFill/>
+          </p:spPr>
+          <p:txBody>
+            <a:bodyPr wrap="none" rtlCol="0">
+              <a:spAutoFit/>
+            </a:bodyPr>
+            <a:lstStyle/>
+            <a:p>
+              <a:r>
+                <a:rPr lang="en-GB" dirty="0"/>
+                <a:t>Q</a:t>
+              </a:r>
+            </a:p>
+          </p:txBody>
+        </p:sp>
+        <p:sp>
+          <p:nvSpPr>
+            <p:cNvPr id="7" name="TextBox 6">
+              <a:extLst>
+                <a:ext uri="{FF2B5EF4-FFF2-40B4-BE49-F238E27FC236}">
+                  <a16:creationId xmlns:a16="http://schemas.microsoft.com/office/drawing/2014/main" id="{9AA68445-0BB0-4CC2-A505-0670445D3867}"/>
+                </a:ext>
+              </a:extLst>
+            </p:cNvPr>
+            <p:cNvSpPr txBox="1"/>
+            <p:nvPr/>
+          </p:nvSpPr>
+          <p:spPr>
+            <a:xfrm>
+              <a:off x="7197634" y="5682343"/>
+              <a:ext cx="309700" cy="369332"/>
+            </a:xfrm>
+            <a:prstGeom prst="rect">
+              <a:avLst/>
+            </a:prstGeom>
+            <a:noFill/>
+          </p:spPr>
+          <p:txBody>
+            <a:bodyPr wrap="none" rtlCol="0">
+              <a:spAutoFit/>
+            </a:bodyPr>
+            <a:lstStyle/>
+            <a:p>
+              <a:r>
+                <a:rPr lang="en-GB" dirty="0"/>
+                <a:t>R</a:t>
+              </a:r>
+            </a:p>
+          </p:txBody>
+        </p:sp>
+        <p:sp>
+          <p:nvSpPr>
+            <p:cNvPr id="8" name="TextBox 7">
+              <a:extLst>
+                <a:ext uri="{FF2B5EF4-FFF2-40B4-BE49-F238E27FC236}">
+                  <a16:creationId xmlns:a16="http://schemas.microsoft.com/office/drawing/2014/main" id="{E63BB2F9-0F3F-45C8-9584-2A62743E02DE}"/>
+                </a:ext>
+              </a:extLst>
+            </p:cNvPr>
+            <p:cNvSpPr txBox="1"/>
+            <p:nvPr/>
+          </p:nvSpPr>
+          <p:spPr>
+            <a:xfrm>
+              <a:off x="2531352" y="5029201"/>
+              <a:ext cx="290464" cy="369332"/>
+            </a:xfrm>
+            <a:prstGeom prst="rect">
+              <a:avLst/>
+            </a:prstGeom>
+            <a:noFill/>
+          </p:spPr>
+          <p:txBody>
+            <a:bodyPr wrap="none" rtlCol="0">
+              <a:spAutoFit/>
+            </a:bodyPr>
+            <a:lstStyle/>
+            <a:p>
+              <a:r>
+                <a:rPr lang="en-GB" dirty="0"/>
+                <a:t>S</a:t>
+              </a:r>
+            </a:p>
+          </p:txBody>
+        </p:sp>
+        <p:cxnSp>
+          <p:nvCxnSpPr>
+            <p:cNvPr id="10" name="Straight Connector 9">
+              <a:extLst>
+                <a:ext uri="{FF2B5EF4-FFF2-40B4-BE49-F238E27FC236}">
+                  <a16:creationId xmlns:a16="http://schemas.microsoft.com/office/drawing/2014/main" id="{3121FA45-48F8-4C81-8828-33EA5468C8FF}"/>
+                </a:ext>
+              </a:extLst>
+            </p:cNvPr>
+            <p:cNvCxnSpPr>
+              <a:stCxn id="3" idx="1"/>
+              <a:endCxn id="3" idx="3"/>
+            </p:cNvCxnSpPr>
+            <p:nvPr/>
+          </p:nvCxnSpPr>
+          <p:spPr>
+            <a:xfrm flipV="1">
+              <a:off x="2834640" y="3422469"/>
+              <a:ext cx="3474720" cy="1632857"/>
+            </a:xfrm>
+            <a:prstGeom prst="line">
+              <a:avLst/>
+            </a:prstGeom>
+            <a:ln>
+              <a:prstDash val="lgDashDot"/>
+            </a:ln>
+          </p:spPr>
+          <p:style>
+            <a:lnRef idx="1">
+              <a:schemeClr val="accent1"/>
+            </a:lnRef>
+            <a:fillRef idx="0">
+              <a:schemeClr val="accent1"/>
+            </a:fillRef>
+            <a:effectRef idx="0">
+              <a:schemeClr val="accent1"/>
+            </a:effectRef>
+            <a:fontRef idx="minor">
+              <a:schemeClr val="tx1"/>
+            </a:fontRef>
+          </p:style>
+        </p:cxnSp>
+        <p:sp>
+          <p:nvSpPr>
+            <p:cNvPr id="11" name="TextBox 10">
+              <a:extLst>
+                <a:ext uri="{FF2B5EF4-FFF2-40B4-BE49-F238E27FC236}">
+                  <a16:creationId xmlns:a16="http://schemas.microsoft.com/office/drawing/2014/main" id="{CB186D18-0AD1-4252-9B5E-47E3EBBDF9A6}"/>
+                </a:ext>
+              </a:extLst>
+            </p:cNvPr>
+            <p:cNvSpPr txBox="1"/>
+            <p:nvPr/>
+          </p:nvSpPr>
+          <p:spPr>
+            <a:xfrm>
+              <a:off x="2995819" y="2665104"/>
+              <a:ext cx="878767" cy="369332"/>
+            </a:xfrm>
+            <a:prstGeom prst="rect">
+              <a:avLst/>
+            </a:prstGeom>
+            <a:noFill/>
+          </p:spPr>
+          <p:txBody>
+            <a:bodyPr wrap="none" rtlCol="0">
+              <a:spAutoFit/>
+            </a:bodyPr>
+            <a:lstStyle/>
+            <a:p>
+              <a:r>
+                <a:rPr lang="en-GB" dirty="0">
+                  <a:sym typeface="Symbol" panose="05050102010706020507" pitchFamily="18" charset="2"/>
+                </a:rPr>
+                <a:t>=</a:t>
+              </a:r>
+              <a:r>
+                <a:rPr lang="en-GB" dirty="0"/>
+                <a:t>125</a:t>
+              </a:r>
+              <a:r>
+                <a:rPr lang="en-GB" baseline="30000" dirty="0"/>
+                <a:t>o</a:t>
+              </a:r>
+              <a:endParaRPr lang="en-GB" dirty="0"/>
+            </a:p>
+          </p:txBody>
+        </p:sp>
+        <p:sp>
+          <p:nvSpPr>
+            <p:cNvPr id="12" name="TextBox 11">
+              <a:extLst>
+                <a:ext uri="{FF2B5EF4-FFF2-40B4-BE49-F238E27FC236}">
+                  <a16:creationId xmlns:a16="http://schemas.microsoft.com/office/drawing/2014/main" id="{11BC8E24-A8DA-4A92-967C-312935D09B08}"/>
+                </a:ext>
+              </a:extLst>
+            </p:cNvPr>
+            <p:cNvSpPr txBox="1"/>
+            <p:nvPr/>
+          </p:nvSpPr>
+          <p:spPr>
+            <a:xfrm>
+              <a:off x="4572000" y="2537154"/>
+              <a:ext cx="702436" cy="369332"/>
+            </a:xfrm>
+            <a:prstGeom prst="rect">
+              <a:avLst/>
+            </a:prstGeom>
+            <a:noFill/>
+          </p:spPr>
+          <p:txBody>
+            <a:bodyPr wrap="none" rtlCol="0">
+              <a:spAutoFit/>
+            </a:bodyPr>
+            <a:lstStyle/>
+            <a:p>
+              <a:r>
+                <a:rPr lang="en-GB" dirty="0"/>
+                <a:t>a=3.2</a:t>
+              </a:r>
+            </a:p>
+          </p:txBody>
+        </p:sp>
+        <p:sp>
+          <p:nvSpPr>
+            <p:cNvPr id="13" name="TextBox 12">
+              <a:extLst>
+                <a:ext uri="{FF2B5EF4-FFF2-40B4-BE49-F238E27FC236}">
+                  <a16:creationId xmlns:a16="http://schemas.microsoft.com/office/drawing/2014/main" id="{CA6D9F62-17C2-4E35-B23A-A3F0B4901016}"/>
+                </a:ext>
+              </a:extLst>
+            </p:cNvPr>
+            <p:cNvSpPr txBox="1"/>
+            <p:nvPr/>
+          </p:nvSpPr>
+          <p:spPr>
+            <a:xfrm>
+              <a:off x="2119380" y="3429000"/>
+              <a:ext cx="713657" cy="369332"/>
+            </a:xfrm>
+            <a:prstGeom prst="rect">
+              <a:avLst/>
+            </a:prstGeom>
+            <a:noFill/>
+          </p:spPr>
+          <p:txBody>
+            <a:bodyPr wrap="none" rtlCol="0">
+              <a:spAutoFit/>
+            </a:bodyPr>
+            <a:lstStyle/>
+            <a:p>
+              <a:r>
+                <a:rPr lang="en-GB" dirty="0"/>
+                <a:t>b=2.6</a:t>
+              </a:r>
+            </a:p>
+          </p:txBody>
+        </p:sp>
+        <p:sp>
+          <p:nvSpPr>
+            <p:cNvPr id="14" name="TextBox 13">
+              <a:extLst>
+                <a:ext uri="{FF2B5EF4-FFF2-40B4-BE49-F238E27FC236}">
+                  <a16:creationId xmlns:a16="http://schemas.microsoft.com/office/drawing/2014/main" id="{7D5DD919-7503-46C3-8EFA-2A8E41AE9DB8}"/>
+                </a:ext>
+              </a:extLst>
+            </p:cNvPr>
+            <p:cNvSpPr txBox="1"/>
+            <p:nvPr/>
+          </p:nvSpPr>
+          <p:spPr>
+            <a:xfrm>
+              <a:off x="4761283" y="4467498"/>
+              <a:ext cx="806631" cy="369332"/>
+            </a:xfrm>
+            <a:prstGeom prst="rect">
+              <a:avLst/>
+            </a:prstGeom>
+            <a:noFill/>
+          </p:spPr>
+          <p:txBody>
+            <a:bodyPr wrap="none" rtlCol="0">
+              <a:spAutoFit/>
+            </a:bodyPr>
+            <a:lstStyle/>
+            <a:p>
+              <a:r>
+                <a:rPr lang="en-GB" dirty="0"/>
+                <a:t>c=5.15</a:t>
+              </a:r>
+            </a:p>
+          </p:txBody>
+        </p:sp>
+        <p:cxnSp>
+          <p:nvCxnSpPr>
+            <p:cNvPr id="15" name="Straight Connector 14">
+              <a:extLst>
+                <a:ext uri="{FF2B5EF4-FFF2-40B4-BE49-F238E27FC236}">
+                  <a16:creationId xmlns:a16="http://schemas.microsoft.com/office/drawing/2014/main" id="{4A4A53B8-E418-4641-A830-32ADDF7F8759}"/>
+                </a:ext>
+              </a:extLst>
+            </p:cNvPr>
+            <p:cNvCxnSpPr>
+              <a:cxnSpLocks/>
+              <a:stCxn id="3" idx="2"/>
+            </p:cNvCxnSpPr>
+            <p:nvPr/>
+          </p:nvCxnSpPr>
+          <p:spPr>
+            <a:xfrm>
+              <a:off x="2965269" y="2390503"/>
+              <a:ext cx="1067631" cy="2076995"/>
+            </a:xfrm>
+            <a:prstGeom prst="line">
+              <a:avLst/>
+            </a:prstGeom>
+            <a:ln>
+              <a:prstDash val="lgDashDot"/>
+            </a:ln>
+          </p:spPr>
+          <p:style>
+            <a:lnRef idx="1">
+              <a:schemeClr val="accent1"/>
+            </a:lnRef>
+            <a:fillRef idx="0">
+              <a:schemeClr val="accent1"/>
+            </a:fillRef>
+            <a:effectRef idx="0">
+              <a:schemeClr val="accent1"/>
+            </a:effectRef>
+            <a:fontRef idx="minor">
+              <a:schemeClr val="tx1"/>
+            </a:fontRef>
+          </p:style>
+        </p:cxnSp>
+        <p:sp>
+          <p:nvSpPr>
+            <p:cNvPr id="22" name="TextBox 21">
+              <a:extLst>
+                <a:ext uri="{FF2B5EF4-FFF2-40B4-BE49-F238E27FC236}">
+                  <a16:creationId xmlns:a16="http://schemas.microsoft.com/office/drawing/2014/main" id="{43AEAEC8-4C1A-43BD-BBFB-E437A8FEB4A5}"/>
+                </a:ext>
+              </a:extLst>
+            </p:cNvPr>
+            <p:cNvSpPr txBox="1"/>
+            <p:nvPr/>
+          </p:nvSpPr>
+          <p:spPr>
+            <a:xfrm>
+              <a:off x="5029200" y="3879670"/>
+              <a:ext cx="300082" cy="369332"/>
+            </a:xfrm>
+            <a:prstGeom prst="rect">
+              <a:avLst/>
+            </a:prstGeom>
+            <a:noFill/>
+          </p:spPr>
+          <p:txBody>
+            <a:bodyPr wrap="none" rtlCol="0">
+              <a:spAutoFit/>
+            </a:bodyPr>
+            <a:lstStyle/>
+            <a:p>
+              <a:r>
+                <a:rPr lang="en-GB" dirty="0"/>
+                <a:t>e</a:t>
+              </a:r>
+            </a:p>
+          </p:txBody>
+        </p:sp>
+        <p:sp>
+          <p:nvSpPr>
+            <p:cNvPr id="23" name="TextBox 22">
+              <a:extLst>
+                <a:ext uri="{FF2B5EF4-FFF2-40B4-BE49-F238E27FC236}">
+                  <a16:creationId xmlns:a16="http://schemas.microsoft.com/office/drawing/2014/main" id="{87817548-2E1A-4213-B1E4-BBB4EF1E7E12}"/>
+                </a:ext>
+              </a:extLst>
+            </p:cNvPr>
+            <p:cNvSpPr txBox="1"/>
+            <p:nvPr/>
+          </p:nvSpPr>
+          <p:spPr>
+            <a:xfrm>
+              <a:off x="3568092" y="4652164"/>
+              <a:ext cx="306494" cy="369332"/>
+            </a:xfrm>
+            <a:prstGeom prst="rect">
+              <a:avLst/>
+            </a:prstGeom>
+            <a:noFill/>
+          </p:spPr>
+          <p:txBody>
+            <a:bodyPr wrap="none" rtlCol="0">
+              <a:spAutoFit/>
+            </a:bodyPr>
+            <a:lstStyle/>
+            <a:p>
+              <a:r>
+                <a:rPr lang="en-GB" dirty="0"/>
+                <a:t>d</a:t>
+              </a:r>
+            </a:p>
+          </p:txBody>
+        </p:sp>
+        <p:sp>
+          <p:nvSpPr>
+            <p:cNvPr id="24" name="TextBox 23">
+              <a:extLst>
+                <a:ext uri="{FF2B5EF4-FFF2-40B4-BE49-F238E27FC236}">
+                  <a16:creationId xmlns:a16="http://schemas.microsoft.com/office/drawing/2014/main" id="{75DBDE40-D3B0-4202-AC62-00B3F3671B69}"/>
+                </a:ext>
+              </a:extLst>
+            </p:cNvPr>
+            <p:cNvSpPr txBox="1"/>
+            <p:nvPr/>
+          </p:nvSpPr>
+          <p:spPr>
+            <a:xfrm>
+              <a:off x="3605016" y="3311435"/>
+              <a:ext cx="423514" cy="369332"/>
+            </a:xfrm>
+            <a:prstGeom prst="rect">
+              <a:avLst/>
+            </a:prstGeom>
+            <a:noFill/>
+          </p:spPr>
+          <p:txBody>
+            <a:bodyPr wrap="none" rtlCol="0">
+              <a:spAutoFit/>
+            </a:bodyPr>
+            <a:lstStyle/>
+            <a:p>
+              <a:r>
+                <a:rPr lang="en-GB" dirty="0"/>
+                <a:t>h1</a:t>
+              </a:r>
+            </a:p>
+          </p:txBody>
+        </p:sp>
+        <p:sp>
+          <p:nvSpPr>
+            <p:cNvPr id="25" name="TextBox 24">
+              <a:extLst>
+                <a:ext uri="{FF2B5EF4-FFF2-40B4-BE49-F238E27FC236}">
+                  <a16:creationId xmlns:a16="http://schemas.microsoft.com/office/drawing/2014/main" id="{E4B9BC95-3746-445D-AB4C-8E3DE5410700}"/>
+                </a:ext>
+              </a:extLst>
+            </p:cNvPr>
+            <p:cNvSpPr txBox="1"/>
+            <p:nvPr/>
+          </p:nvSpPr>
+          <p:spPr>
+            <a:xfrm>
+              <a:off x="6738622" y="4282832"/>
+              <a:ext cx="662361" cy="369332"/>
+            </a:xfrm>
+            <a:prstGeom prst="rect">
+              <a:avLst/>
+            </a:prstGeom>
+            <a:noFill/>
+          </p:spPr>
+          <p:txBody>
+            <a:bodyPr wrap="none" rtlCol="0">
+              <a:spAutoFit/>
+            </a:bodyPr>
+            <a:lstStyle/>
+            <a:p>
+              <a:r>
+                <a:rPr lang="en-GB" dirty="0"/>
+                <a:t>f=4.0</a:t>
+              </a:r>
+            </a:p>
+          </p:txBody>
+        </p:sp>
+        <p:sp>
+          <p:nvSpPr>
+            <p:cNvPr id="26" name="TextBox 25">
+              <a:extLst>
+                <a:ext uri="{FF2B5EF4-FFF2-40B4-BE49-F238E27FC236}">
+                  <a16:creationId xmlns:a16="http://schemas.microsoft.com/office/drawing/2014/main" id="{BE69AF80-EC14-47F4-8046-69696964C572}"/>
+                </a:ext>
+              </a:extLst>
+            </p:cNvPr>
+            <p:cNvSpPr txBox="1"/>
+            <p:nvPr/>
+          </p:nvSpPr>
+          <p:spPr>
+            <a:xfrm>
+              <a:off x="4240819" y="5418127"/>
+              <a:ext cx="700833" cy="369332"/>
+            </a:xfrm>
+            <a:prstGeom prst="rect">
+              <a:avLst/>
+            </a:prstGeom>
+            <a:noFill/>
+          </p:spPr>
+          <p:txBody>
+            <a:bodyPr wrap="none" rtlCol="0">
+              <a:spAutoFit/>
+            </a:bodyPr>
+            <a:lstStyle/>
+            <a:p>
+              <a:r>
+                <a:rPr lang="en-GB" dirty="0"/>
+                <a:t>g=5.5</a:t>
+              </a:r>
+            </a:p>
+          </p:txBody>
+        </p:sp>
+        <p:sp>
+          <p:nvSpPr>
+            <p:cNvPr id="27" name="TextBox 26">
+              <a:extLst>
+                <a:ext uri="{FF2B5EF4-FFF2-40B4-BE49-F238E27FC236}">
+                  <a16:creationId xmlns:a16="http://schemas.microsoft.com/office/drawing/2014/main" id="{115FE0E5-1D64-4BC9-B163-A1560E127074}"/>
+                </a:ext>
+              </a:extLst>
+            </p:cNvPr>
+            <p:cNvSpPr txBox="1"/>
+            <p:nvPr/>
+          </p:nvSpPr>
+          <p:spPr>
+            <a:xfrm>
+              <a:off x="6240489" y="5233461"/>
+              <a:ext cx="952505" cy="369332"/>
+            </a:xfrm>
+            <a:prstGeom prst="rect">
+              <a:avLst/>
+            </a:prstGeom>
+            <a:noFill/>
+          </p:spPr>
+          <p:txBody>
+            <a:bodyPr wrap="none" rtlCol="0">
+              <a:spAutoFit/>
+            </a:bodyPr>
+            <a:lstStyle/>
+            <a:p>
+              <a:r>
+                <a:rPr lang="en-GB" dirty="0">
+                  <a:sym typeface="Symbol" panose="05050102010706020507" pitchFamily="18" charset="2"/>
+                </a:rPr>
+                <a:t>=</a:t>
+              </a:r>
+              <a:r>
+                <a:rPr lang="en-GB" dirty="0"/>
+                <a:t>63.36</a:t>
+              </a:r>
+            </a:p>
+          </p:txBody>
+        </p:sp>
+      </p:grpSp>
+    </p:spTree>
+    <p:extLst>
+      <p:ext uri="{BB962C8B-B14F-4D97-AF65-F5344CB8AC3E}">
+        <p14:creationId xmlns:p14="http://schemas.microsoft.com/office/powerpoint/2010/main" val="3968498258"/>
+      </p:ext>
+    </p:extLst>
+  </p:cSld>
+  <p:clrMapOvr>
+    <a:masterClrMapping/>
+  </p:clrMapOvr>
+</p:sld>
+</file>
+
+<file path=ppt/slides/slide5.xml><?xml version="1.0" encoding="utf-8"?>
+<p:sld xmlns:a="http://schemas.openxmlformats.org/drawingml/2006/main" xmlns:r="http://schemas.openxmlformats.org/officeDocument/2006/relationships" xmlns:p="http://schemas.openxmlformats.org/presentationml/2006/main">
+  <p:cSld>
+    <p:spTree>
+      <p:nvGrpSpPr>
+        <p:cNvPr id="1" name=""/>
+        <p:cNvGrpSpPr/>
+        <p:nvPr/>
+      </p:nvGrpSpPr>
+      <p:grpSpPr>
+        <a:xfrm>
+          <a:off x="0" y="0"/>
+          <a:ext cx="0" cy="0"/>
+          <a:chOff x="0" y="0"/>
+          <a:chExt cx="0" cy="0"/>
+        </a:xfrm>
+      </p:grpSpPr>
       <p:pic>
         <p:nvPicPr>
-          <p:cNvPr id="5" name="Picture 4" descr="Graphical user interface, text, application, email&#10;&#10;Description automatically generated">
-            <a:extLst>
-              <a:ext uri="{FF2B5EF4-FFF2-40B4-BE49-F238E27FC236}">
-                <a16:creationId xmlns:a16="http://schemas.microsoft.com/office/drawing/2014/main" id="{04703A30-ECC6-4E5D-ACC9-D0C8FB1801C2}"/>
+          <p:cNvPr id="3" name="Picture 2">
+            <a:extLst>
+              <a:ext uri="{FF2B5EF4-FFF2-40B4-BE49-F238E27FC236}">
+                <a16:creationId xmlns:a16="http://schemas.microsoft.com/office/drawing/2014/main" id="{60864DF7-BB2F-4B0B-963A-7543976D17B1}"/>
               </a:ext>
             </a:extLst>
           </p:cNvPr>
@@ -5326,21 +6072,16 @@
           </p:cNvPicPr>
           <p:nvPr/>
         </p:nvPicPr>
-        <p:blipFill rotWithShape="1">
-          <a:blip r:embed="rId2">
-            <a:extLst>
-              <a:ext uri="{28A0092B-C50C-407E-A947-70E740481C1C}">
-                <a14:useLocalDpi xmlns:a14="http://schemas.microsoft.com/office/drawing/2010/main" val="0"/>
-              </a:ext>
-            </a:extLst>
-          </a:blip>
-          <a:srcRect b="25990"/>
-          <a:stretch/>
+        <p:blipFill>
+          <a:blip r:embed="rId2"/>
+          <a:stretch>
+            <a:fillRect/>
+          </a:stretch>
         </p:blipFill>
         <p:spPr>
           <a:xfrm>
-            <a:off x="2614088" y="543338"/>
-            <a:ext cx="6115683" cy="5075583"/>
+            <a:off x="3466489" y="0"/>
+            <a:ext cx="5259022" cy="6858000"/>
           </a:xfrm>
           <a:prstGeom prst="rect">
             <a:avLst/>
@@ -5350,7 +6091,7 @@
     </p:spTree>
     <p:extLst>
       <p:ext uri="{BB962C8B-B14F-4D97-AF65-F5344CB8AC3E}">
-        <p14:creationId xmlns:p14="http://schemas.microsoft.com/office/powerpoint/2010/main" val="3968498258"/>
+        <p14:creationId xmlns:p14="http://schemas.microsoft.com/office/powerpoint/2010/main" val="3344843768"/>
       </p:ext>
     </p:extLst>
   </p:cSld>
